--- a/Humanlytics.pptx
+++ b/Humanlytics.pptx
@@ -29,33 +29,27 @@
     <p:sldId id="274" r:id="rId24"/>
     <p:sldId id="275" r:id="rId25"/>
     <p:sldId id="276" r:id="rId26"/>
-    <p:sldId id="277" r:id="rId27"/>
-    <p:sldId id="278" r:id="rId28"/>
-    <p:sldId id="279" r:id="rId29"/>
-    <p:sldId id="280" r:id="rId30"/>
-    <p:sldId id="281" r:id="rId31"/>
-    <p:sldId id="282" r:id="rId32"/>
   </p:sldIdLst>
   <p:sldSz cy="5143500" cx="9144000"/>
   <p:notesSz cx="6858000" cy="9144000"/>
   <p:embeddedFontLst>
     <p:embeddedFont>
       <p:font typeface="Proxima Nova"/>
-      <p:regular r:id="rId33"/>
-      <p:bold r:id="rId34"/>
-      <p:italic r:id="rId35"/>
-      <p:boldItalic r:id="rId36"/>
+      <p:regular r:id="rId27"/>
+      <p:bold r:id="rId28"/>
+      <p:italic r:id="rId29"/>
+      <p:boldItalic r:id="rId30"/>
     </p:embeddedFont>
     <p:embeddedFont>
       <p:font typeface="Roboto"/>
-      <p:regular r:id="rId37"/>
-      <p:bold r:id="rId38"/>
-      <p:italic r:id="rId39"/>
-      <p:boldItalic r:id="rId40"/>
+      <p:regular r:id="rId31"/>
+      <p:bold r:id="rId32"/>
+      <p:italic r:id="rId33"/>
+      <p:boldItalic r:id="rId34"/>
     </p:embeddedFont>
     <p:embeddedFont>
       <p:font typeface="Alfa Slab One"/>
-      <p:regular r:id="rId41"/>
+      <p:regular r:id="rId35"/>
     </p:embeddedFont>
   </p:embeddedFontLst>
   <p:defaultTextStyle>
@@ -949,7 +943,7 @@
       </p:grpSpPr>
       <p:sp>
         <p:nvSpPr>
-          <p:cNvPr id="130" name="Google Shape;130;g2baf926253c_1_10:notes"/>
+          <p:cNvPr id="130" name="Google Shape;130;g2baf926253c_1_89:notes"/>
           <p:cNvSpPr/>
           <p:nvPr>
             <p:ph idx="2" type="sldImg"/>
@@ -984,7 +978,7 @@
       </p:sp>
       <p:sp>
         <p:nvSpPr>
-          <p:cNvPr id="131" name="Google Shape;131;g2baf926253c_1_10:notes"/>
+          <p:cNvPr id="131" name="Google Shape;131;g2baf926253c_1_89:notes"/>
           <p:cNvSpPr txBox="1"/>
           <p:nvPr>
             <p:ph idx="1" type="body"/>
@@ -1034,7 +1028,7 @@
   <p:cSld>
     <p:spTree>
       <p:nvGrpSpPr>
-        <p:cNvPr id="135" name="Shape 135"/>
+        <p:cNvPr id="136" name="Shape 136"/>
         <p:cNvGrpSpPr/>
         <p:nvPr/>
       </p:nvGrpSpPr>
@@ -1048,7 +1042,7 @@
       </p:grpSpPr>
       <p:sp>
         <p:nvSpPr>
-          <p:cNvPr id="136" name="Google Shape;136;g2baf926253c_1_71:notes"/>
+          <p:cNvPr id="137" name="Google Shape;137;g2baf926253c_1_95:notes"/>
           <p:cNvSpPr/>
           <p:nvPr>
             <p:ph idx="2" type="sldImg"/>
@@ -1083,7 +1077,7 @@
       </p:sp>
       <p:sp>
         <p:nvSpPr>
-          <p:cNvPr id="137" name="Google Shape;137;g2baf926253c_1_71:notes"/>
+          <p:cNvPr id="138" name="Google Shape;138;g2baf926253c_1_95:notes"/>
           <p:cNvSpPr txBox="1"/>
           <p:nvPr>
             <p:ph idx="1" type="body"/>
@@ -1133,7 +1127,7 @@
   <p:cSld>
     <p:spTree>
       <p:nvGrpSpPr>
-        <p:cNvPr id="141" name="Shape 141"/>
+        <p:cNvPr id="143" name="Shape 143"/>
         <p:cNvGrpSpPr/>
         <p:nvPr/>
       </p:nvGrpSpPr>
@@ -1147,7 +1141,7 @@
       </p:grpSpPr>
       <p:sp>
         <p:nvSpPr>
-          <p:cNvPr id="142" name="Google Shape;142;g2baf926253c_1_76:notes"/>
+          <p:cNvPr id="144" name="Google Shape;144;g2baf926253c_1_101:notes"/>
           <p:cNvSpPr/>
           <p:nvPr>
             <p:ph idx="2" type="sldImg"/>
@@ -1182,7 +1176,7 @@
       </p:sp>
       <p:sp>
         <p:nvSpPr>
-          <p:cNvPr id="143" name="Google Shape;143;g2baf926253c_1_76:notes"/>
+          <p:cNvPr id="145" name="Google Shape;145;g2baf926253c_1_101:notes"/>
           <p:cNvSpPr txBox="1"/>
           <p:nvPr>
             <p:ph idx="1" type="body"/>
@@ -1232,7 +1226,7 @@
   <p:cSld>
     <p:spTree>
       <p:nvGrpSpPr>
-        <p:cNvPr id="147" name="Shape 147"/>
+        <p:cNvPr id="150" name="Shape 150"/>
         <p:cNvGrpSpPr/>
         <p:nvPr/>
       </p:nvGrpSpPr>
@@ -1246,7 +1240,7 @@
       </p:grpSpPr>
       <p:sp>
         <p:nvSpPr>
-          <p:cNvPr id="148" name="Google Shape;148;g2baf926253c_1_17:notes"/>
+          <p:cNvPr id="151" name="Google Shape;151;g2baf926253c_1_10:notes"/>
           <p:cNvSpPr/>
           <p:nvPr>
             <p:ph idx="2" type="sldImg"/>
@@ -1281,7 +1275,7 @@
       </p:sp>
       <p:sp>
         <p:nvSpPr>
-          <p:cNvPr id="149" name="Google Shape;149;g2baf926253c_1_17:notes"/>
+          <p:cNvPr id="152" name="Google Shape;152;g2baf926253c_1_10:notes"/>
           <p:cNvSpPr txBox="1"/>
           <p:nvPr>
             <p:ph idx="1" type="body"/>
@@ -1331,7 +1325,7 @@
   <p:cSld>
     <p:spTree>
       <p:nvGrpSpPr>
-        <p:cNvPr id="153" name="Shape 153"/>
+        <p:cNvPr id="156" name="Shape 156"/>
         <p:cNvGrpSpPr/>
         <p:nvPr/>
       </p:nvGrpSpPr>
@@ -1345,7 +1339,7 @@
       </p:grpSpPr>
       <p:sp>
         <p:nvSpPr>
-          <p:cNvPr id="154" name="Google Shape;154;g2baf926253c_1_34:notes"/>
+          <p:cNvPr id="157" name="Google Shape;157;g2baf926253c_1_71:notes"/>
           <p:cNvSpPr/>
           <p:nvPr>
             <p:ph idx="2" type="sldImg"/>
@@ -1380,7 +1374,7 @@
       </p:sp>
       <p:sp>
         <p:nvSpPr>
-          <p:cNvPr id="155" name="Google Shape;155;g2baf926253c_1_34:notes"/>
+          <p:cNvPr id="158" name="Google Shape;158;g2baf926253c_1_71:notes"/>
           <p:cNvSpPr txBox="1"/>
           <p:nvPr>
             <p:ph idx="1" type="body"/>
@@ -1430,7 +1424,7 @@
   <p:cSld>
     <p:spTree>
       <p:nvGrpSpPr>
-        <p:cNvPr id="159" name="Shape 159"/>
+        <p:cNvPr id="162" name="Shape 162"/>
         <p:cNvGrpSpPr/>
         <p:nvPr/>
       </p:nvGrpSpPr>
@@ -1444,7 +1438,7 @@
       </p:grpSpPr>
       <p:sp>
         <p:nvSpPr>
-          <p:cNvPr id="160" name="Google Shape;160;g2baa999f0e6_0_15:notes"/>
+          <p:cNvPr id="163" name="Google Shape;163;g2baf926253c_1_76:notes"/>
           <p:cNvSpPr/>
           <p:nvPr>
             <p:ph idx="2" type="sldImg"/>
@@ -1479,7 +1473,7 @@
       </p:sp>
       <p:sp>
         <p:nvSpPr>
-          <p:cNvPr id="161" name="Google Shape;161;g2baa999f0e6_0_15:notes"/>
+          <p:cNvPr id="164" name="Google Shape;164;g2baf926253c_1_76:notes"/>
           <p:cNvSpPr txBox="1"/>
           <p:nvPr>
             <p:ph idx="1" type="body"/>
@@ -1529,7 +1523,7 @@
   <p:cSld>
     <p:spTree>
       <p:nvGrpSpPr>
-        <p:cNvPr id="165" name="Shape 165"/>
+        <p:cNvPr id="168" name="Shape 168"/>
         <p:cNvGrpSpPr/>
         <p:nvPr/>
       </p:nvGrpSpPr>
@@ -1543,7 +1537,7 @@
       </p:grpSpPr>
       <p:sp>
         <p:nvSpPr>
-          <p:cNvPr id="166" name="Google Shape;166;g2baa999f0e6_0_20:notes"/>
+          <p:cNvPr id="169" name="Google Shape;169;g2baf926253c_1_17:notes"/>
           <p:cNvSpPr/>
           <p:nvPr>
             <p:ph idx="2" type="sldImg"/>
@@ -1578,7 +1572,7 @@
       </p:sp>
       <p:sp>
         <p:nvSpPr>
-          <p:cNvPr id="167" name="Google Shape;167;g2baa999f0e6_0_20:notes"/>
+          <p:cNvPr id="170" name="Google Shape;170;g2baf926253c_1_17:notes"/>
           <p:cNvSpPr txBox="1"/>
           <p:nvPr>
             <p:ph idx="1" type="body"/>
@@ -1628,7 +1622,7 @@
   <p:cSld>
     <p:spTree>
       <p:nvGrpSpPr>
-        <p:cNvPr id="171" name="Shape 171"/>
+        <p:cNvPr id="174" name="Shape 174"/>
         <p:cNvGrpSpPr/>
         <p:nvPr/>
       </p:nvGrpSpPr>
@@ -1642,7 +1636,7 @@
       </p:grpSpPr>
       <p:sp>
         <p:nvSpPr>
-          <p:cNvPr id="172" name="Google Shape;172;g2baa999f0e6_0_25:notes"/>
+          <p:cNvPr id="175" name="Google Shape;175;g2baf926253c_1_34:notes"/>
           <p:cNvSpPr/>
           <p:nvPr>
             <p:ph idx="2" type="sldImg"/>
@@ -1677,7 +1671,7 @@
       </p:sp>
       <p:sp>
         <p:nvSpPr>
-          <p:cNvPr id="173" name="Google Shape;173;g2baa999f0e6_0_25:notes"/>
+          <p:cNvPr id="176" name="Google Shape;176;g2baf926253c_1_34:notes"/>
           <p:cNvSpPr txBox="1"/>
           <p:nvPr>
             <p:ph idx="1" type="body"/>
@@ -1727,7 +1721,7 @@
   <p:cSld>
     <p:spTree>
       <p:nvGrpSpPr>
-        <p:cNvPr id="176" name="Shape 176"/>
+        <p:cNvPr id="180" name="Shape 180"/>
         <p:cNvGrpSpPr/>
         <p:nvPr/>
       </p:nvGrpSpPr>
@@ -1741,7 +1735,7 @@
       </p:grpSpPr>
       <p:sp>
         <p:nvSpPr>
-          <p:cNvPr id="177" name="Google Shape;177;g2baa999f0e6_0_30:notes"/>
+          <p:cNvPr id="181" name="Google Shape;181;g2baa999f0e6_0_15:notes"/>
           <p:cNvSpPr/>
           <p:nvPr>
             <p:ph idx="2" type="sldImg"/>
@@ -1776,7 +1770,7 @@
       </p:sp>
       <p:sp>
         <p:nvSpPr>
-          <p:cNvPr id="178" name="Google Shape;178;g2baa999f0e6_0_30:notes"/>
+          <p:cNvPr id="182" name="Google Shape;182;g2baa999f0e6_0_15:notes"/>
           <p:cNvSpPr txBox="1"/>
           <p:nvPr>
             <p:ph idx="1" type="body"/>
@@ -1925,7 +1919,7 @@
   <p:cSld>
     <p:spTree>
       <p:nvGrpSpPr>
-        <p:cNvPr id="182" name="Shape 182"/>
+        <p:cNvPr id="186" name="Shape 186"/>
         <p:cNvGrpSpPr/>
         <p:nvPr/>
       </p:nvGrpSpPr>
@@ -1939,7 +1933,7 @@
       </p:grpSpPr>
       <p:sp>
         <p:nvSpPr>
-          <p:cNvPr id="183" name="Google Shape;183;g2baa999f0e6_0_35:notes"/>
+          <p:cNvPr id="187" name="Google Shape;187;g2baa999f0e6_0_20:notes"/>
           <p:cNvSpPr/>
           <p:nvPr>
             <p:ph idx="2" type="sldImg"/>
@@ -1974,7 +1968,7 @@
       </p:sp>
       <p:sp>
         <p:nvSpPr>
-          <p:cNvPr id="184" name="Google Shape;184;g2baa999f0e6_0_35:notes"/>
+          <p:cNvPr id="188" name="Google Shape;188;g2baa999f0e6_0_20:notes"/>
           <p:cNvSpPr txBox="1"/>
           <p:nvPr>
             <p:ph idx="1" type="body"/>
@@ -2024,7 +2018,7 @@
   <p:cSld>
     <p:spTree>
       <p:nvGrpSpPr>
-        <p:cNvPr id="188" name="Shape 188"/>
+        <p:cNvPr id="192" name="Shape 192"/>
         <p:cNvGrpSpPr/>
         <p:nvPr/>
       </p:nvGrpSpPr>
@@ -2038,7 +2032,7 @@
       </p:grpSpPr>
       <p:sp>
         <p:nvSpPr>
-          <p:cNvPr id="189" name="Google Shape;189;g2baa999f0e6_0_40:notes"/>
+          <p:cNvPr id="193" name="Google Shape;193;g2baa999f0e6_0_25:notes"/>
           <p:cNvSpPr/>
           <p:nvPr>
             <p:ph idx="2" type="sldImg"/>
@@ -2073,601 +2067,7 @@
       </p:sp>
       <p:sp>
         <p:nvSpPr>
-          <p:cNvPr id="190" name="Google Shape;190;g2baa999f0e6_0_40:notes"/>
-          <p:cNvSpPr txBox="1"/>
-          <p:nvPr>
-            <p:ph idx="1" type="body"/>
-          </p:nvPr>
-        </p:nvSpPr>
-        <p:spPr>
-          <a:xfrm>
-            <a:off x="685800" y="4343400"/>
-            <a:ext cx="5486400" cy="4114800"/>
-          </a:xfrm>
-          <a:prstGeom prst="rect">
-            <a:avLst/>
-          </a:prstGeom>
-        </p:spPr>
-        <p:txBody>
-          <a:bodyPr anchorCtr="0" anchor="t" bIns="91425" lIns="91425" spcFirstLastPara="1" rIns="91425" wrap="square" tIns="91425">
-            <a:noAutofit/>
-          </a:bodyPr>
-          <a:lstStyle/>
-          <a:p>
-            <a:pPr indent="0" lvl="0" marL="0" rtl="0" algn="l">
-              <a:spcBef>
-                <a:spcPts val="0"/>
-              </a:spcBef>
-              <a:spcAft>
-                <a:spcPts val="0"/>
-              </a:spcAft>
-              <a:buNone/>
-            </a:pPr>
-            <a:r>
-              <a:t/>
-            </a:r>
-            <a:endParaRPr/>
-          </a:p>
-        </p:txBody>
-      </p:sp>
-    </p:spTree>
-  </p:cSld>
-  <p:clrMapOvr>
-    <a:masterClrMapping/>
-  </p:clrMapOvr>
-</p:notes>
-</file>
-
-<file path=ppt/notesSlides/notesSlide22.xml><?xml version="1.0" encoding="utf-8"?>
-<p:notes xmlns:a="http://schemas.openxmlformats.org/drawingml/2006/main" xmlns:r="http://schemas.openxmlformats.org/officeDocument/2006/relationships" xmlns:mc="http://schemas.openxmlformats.org/markup-compatibility/2006" xmlns:mv="urn:schemas-microsoft-com:mac:vml" xmlns:p="http://schemas.openxmlformats.org/presentationml/2006/main" xmlns:c="http://schemas.openxmlformats.org/drawingml/2006/chart" xmlns:dgm="http://schemas.openxmlformats.org/drawingml/2006/diagram" xmlns:o="urn:schemas-microsoft-com:office:office" xmlns:v="urn:schemas-microsoft-com:vml" xmlns:pvml="urn:schemas-microsoft-com:office:powerpoint" xmlns:com="http://schemas.openxmlformats.org/drawingml/2006/compatibility" xmlns:p14="http://schemas.microsoft.com/office/powerpoint/2010/main" xmlns:p15="http://schemas.microsoft.com/office/powerpoint/2012/main" xmlns:ahyp="http://schemas.microsoft.com/office/drawing/2018/hyperlinkcolor" showMasterPhAnim="0" showMasterSp="0">
-  <p:cSld>
-    <p:spTree>
-      <p:nvGrpSpPr>
-        <p:cNvPr id="194" name="Shape 194"/>
-        <p:cNvGrpSpPr/>
-        <p:nvPr/>
-      </p:nvGrpSpPr>
-      <p:grpSpPr>
-        <a:xfrm>
-          <a:off x="0" y="0"/>
-          <a:ext cx="0" cy="0"/>
-          <a:chOff x="0" y="0"/>
-          <a:chExt cx="0" cy="0"/>
-        </a:xfrm>
-      </p:grpSpPr>
-      <p:sp>
-        <p:nvSpPr>
-          <p:cNvPr id="195" name="Google Shape;195;g2baa999f0e6_0_45:notes"/>
-          <p:cNvSpPr/>
-          <p:nvPr>
-            <p:ph idx="2" type="sldImg"/>
-          </p:nvPr>
-        </p:nvSpPr>
-        <p:spPr>
-          <a:xfrm>
-            <a:off x="381300" y="685800"/>
-            <a:ext cx="6096000" cy="3429000"/>
-          </a:xfrm>
-          <a:custGeom>
-            <a:rect b="b" l="l" r="r" t="t"/>
-            <a:pathLst>
-              <a:path extrusionOk="0" h="120000" w="120000">
-                <a:moveTo>
-                  <a:pt x="0" y="0"/>
-                </a:moveTo>
-                <a:lnTo>
-                  <a:pt x="120000" y="0"/>
-                </a:lnTo>
-                <a:lnTo>
-                  <a:pt x="120000" y="120000"/>
-                </a:lnTo>
-                <a:lnTo>
-                  <a:pt x="0" y="120000"/>
-                </a:lnTo>
-                <a:close/>
-              </a:path>
-            </a:pathLst>
-          </a:custGeom>
-        </p:spPr>
-      </p:sp>
-      <p:sp>
-        <p:nvSpPr>
-          <p:cNvPr id="196" name="Google Shape;196;g2baa999f0e6_0_45:notes"/>
-          <p:cNvSpPr txBox="1"/>
-          <p:nvPr>
-            <p:ph idx="1" type="body"/>
-          </p:nvPr>
-        </p:nvSpPr>
-        <p:spPr>
-          <a:xfrm>
-            <a:off x="685800" y="4343400"/>
-            <a:ext cx="5486400" cy="4114800"/>
-          </a:xfrm>
-          <a:prstGeom prst="rect">
-            <a:avLst/>
-          </a:prstGeom>
-        </p:spPr>
-        <p:txBody>
-          <a:bodyPr anchorCtr="0" anchor="t" bIns="91425" lIns="91425" spcFirstLastPara="1" rIns="91425" wrap="square" tIns="91425">
-            <a:noAutofit/>
-          </a:bodyPr>
-          <a:lstStyle/>
-          <a:p>
-            <a:pPr indent="0" lvl="0" marL="0" rtl="0" algn="l">
-              <a:spcBef>
-                <a:spcPts val="0"/>
-              </a:spcBef>
-              <a:spcAft>
-                <a:spcPts val="0"/>
-              </a:spcAft>
-              <a:buNone/>
-            </a:pPr>
-            <a:r>
-              <a:t/>
-            </a:r>
-            <a:endParaRPr/>
-          </a:p>
-        </p:txBody>
-      </p:sp>
-    </p:spTree>
-  </p:cSld>
-  <p:clrMapOvr>
-    <a:masterClrMapping/>
-  </p:clrMapOvr>
-</p:notes>
-</file>
-
-<file path=ppt/notesSlides/notesSlide23.xml><?xml version="1.0" encoding="utf-8"?>
-<p:notes xmlns:a="http://schemas.openxmlformats.org/drawingml/2006/main" xmlns:r="http://schemas.openxmlformats.org/officeDocument/2006/relationships" xmlns:mc="http://schemas.openxmlformats.org/markup-compatibility/2006" xmlns:mv="urn:schemas-microsoft-com:mac:vml" xmlns:p="http://schemas.openxmlformats.org/presentationml/2006/main" xmlns:c="http://schemas.openxmlformats.org/drawingml/2006/chart" xmlns:dgm="http://schemas.openxmlformats.org/drawingml/2006/diagram" xmlns:o="urn:schemas-microsoft-com:office:office" xmlns:v="urn:schemas-microsoft-com:vml" xmlns:pvml="urn:schemas-microsoft-com:office:powerpoint" xmlns:com="http://schemas.openxmlformats.org/drawingml/2006/compatibility" xmlns:p14="http://schemas.microsoft.com/office/powerpoint/2010/main" xmlns:p15="http://schemas.microsoft.com/office/powerpoint/2012/main" xmlns:ahyp="http://schemas.microsoft.com/office/drawing/2018/hyperlinkcolor" showMasterPhAnim="0" showMasterSp="0">
-  <p:cSld>
-    <p:spTree>
-      <p:nvGrpSpPr>
-        <p:cNvPr id="200" name="Shape 200"/>
-        <p:cNvGrpSpPr/>
-        <p:nvPr/>
-      </p:nvGrpSpPr>
-      <p:grpSpPr>
-        <a:xfrm>
-          <a:off x="0" y="0"/>
-          <a:ext cx="0" cy="0"/>
-          <a:chOff x="0" y="0"/>
-          <a:chExt cx="0" cy="0"/>
-        </a:xfrm>
-      </p:grpSpPr>
-      <p:sp>
-        <p:nvSpPr>
-          <p:cNvPr id="201" name="Google Shape;201;g2baa999f0e6_0_50:notes"/>
-          <p:cNvSpPr/>
-          <p:nvPr>
-            <p:ph idx="2" type="sldImg"/>
-          </p:nvPr>
-        </p:nvSpPr>
-        <p:spPr>
-          <a:xfrm>
-            <a:off x="381300" y="685800"/>
-            <a:ext cx="6096000" cy="3429000"/>
-          </a:xfrm>
-          <a:custGeom>
-            <a:rect b="b" l="l" r="r" t="t"/>
-            <a:pathLst>
-              <a:path extrusionOk="0" h="120000" w="120000">
-                <a:moveTo>
-                  <a:pt x="0" y="0"/>
-                </a:moveTo>
-                <a:lnTo>
-                  <a:pt x="120000" y="0"/>
-                </a:lnTo>
-                <a:lnTo>
-                  <a:pt x="120000" y="120000"/>
-                </a:lnTo>
-                <a:lnTo>
-                  <a:pt x="0" y="120000"/>
-                </a:lnTo>
-                <a:close/>
-              </a:path>
-            </a:pathLst>
-          </a:custGeom>
-        </p:spPr>
-      </p:sp>
-      <p:sp>
-        <p:nvSpPr>
-          <p:cNvPr id="202" name="Google Shape;202;g2baa999f0e6_0_50:notes"/>
-          <p:cNvSpPr txBox="1"/>
-          <p:nvPr>
-            <p:ph idx="1" type="body"/>
-          </p:nvPr>
-        </p:nvSpPr>
-        <p:spPr>
-          <a:xfrm>
-            <a:off x="685800" y="4343400"/>
-            <a:ext cx="5486400" cy="4114800"/>
-          </a:xfrm>
-          <a:prstGeom prst="rect">
-            <a:avLst/>
-          </a:prstGeom>
-        </p:spPr>
-        <p:txBody>
-          <a:bodyPr anchorCtr="0" anchor="t" bIns="91425" lIns="91425" spcFirstLastPara="1" rIns="91425" wrap="square" tIns="91425">
-            <a:noAutofit/>
-          </a:bodyPr>
-          <a:lstStyle/>
-          <a:p>
-            <a:pPr indent="0" lvl="0" marL="0" rtl="0" algn="l">
-              <a:spcBef>
-                <a:spcPts val="0"/>
-              </a:spcBef>
-              <a:spcAft>
-                <a:spcPts val="0"/>
-              </a:spcAft>
-              <a:buNone/>
-            </a:pPr>
-            <a:r>
-              <a:t/>
-            </a:r>
-            <a:endParaRPr/>
-          </a:p>
-        </p:txBody>
-      </p:sp>
-    </p:spTree>
-  </p:cSld>
-  <p:clrMapOvr>
-    <a:masterClrMapping/>
-  </p:clrMapOvr>
-</p:notes>
-</file>
-
-<file path=ppt/notesSlides/notesSlide24.xml><?xml version="1.0" encoding="utf-8"?>
-<p:notes xmlns:a="http://schemas.openxmlformats.org/drawingml/2006/main" xmlns:r="http://schemas.openxmlformats.org/officeDocument/2006/relationships" xmlns:mc="http://schemas.openxmlformats.org/markup-compatibility/2006" xmlns:mv="urn:schemas-microsoft-com:mac:vml" xmlns:p="http://schemas.openxmlformats.org/presentationml/2006/main" xmlns:c="http://schemas.openxmlformats.org/drawingml/2006/chart" xmlns:dgm="http://schemas.openxmlformats.org/drawingml/2006/diagram" xmlns:o="urn:schemas-microsoft-com:office:office" xmlns:v="urn:schemas-microsoft-com:vml" xmlns:pvml="urn:schemas-microsoft-com:office:powerpoint" xmlns:com="http://schemas.openxmlformats.org/drawingml/2006/compatibility" xmlns:p14="http://schemas.microsoft.com/office/powerpoint/2010/main" xmlns:p15="http://schemas.microsoft.com/office/powerpoint/2012/main" xmlns:ahyp="http://schemas.microsoft.com/office/drawing/2018/hyperlinkcolor" showMasterPhAnim="0" showMasterSp="0">
-  <p:cSld>
-    <p:spTree>
-      <p:nvGrpSpPr>
-        <p:cNvPr id="206" name="Shape 206"/>
-        <p:cNvGrpSpPr/>
-        <p:nvPr/>
-      </p:nvGrpSpPr>
-      <p:grpSpPr>
-        <a:xfrm>
-          <a:off x="0" y="0"/>
-          <a:ext cx="0" cy="0"/>
-          <a:chOff x="0" y="0"/>
-          <a:chExt cx="0" cy="0"/>
-        </a:xfrm>
-      </p:grpSpPr>
-      <p:sp>
-        <p:nvSpPr>
-          <p:cNvPr id="207" name="Google Shape;207;g2baa999f0e6_0_55:notes"/>
-          <p:cNvSpPr/>
-          <p:nvPr>
-            <p:ph idx="2" type="sldImg"/>
-          </p:nvPr>
-        </p:nvSpPr>
-        <p:spPr>
-          <a:xfrm>
-            <a:off x="381300" y="685800"/>
-            <a:ext cx="6096000" cy="3429000"/>
-          </a:xfrm>
-          <a:custGeom>
-            <a:rect b="b" l="l" r="r" t="t"/>
-            <a:pathLst>
-              <a:path extrusionOk="0" h="120000" w="120000">
-                <a:moveTo>
-                  <a:pt x="0" y="0"/>
-                </a:moveTo>
-                <a:lnTo>
-                  <a:pt x="120000" y="0"/>
-                </a:lnTo>
-                <a:lnTo>
-                  <a:pt x="120000" y="120000"/>
-                </a:lnTo>
-                <a:lnTo>
-                  <a:pt x="0" y="120000"/>
-                </a:lnTo>
-                <a:close/>
-              </a:path>
-            </a:pathLst>
-          </a:custGeom>
-        </p:spPr>
-      </p:sp>
-      <p:sp>
-        <p:nvSpPr>
-          <p:cNvPr id="208" name="Google Shape;208;g2baa999f0e6_0_55:notes"/>
-          <p:cNvSpPr txBox="1"/>
-          <p:nvPr>
-            <p:ph idx="1" type="body"/>
-          </p:nvPr>
-        </p:nvSpPr>
-        <p:spPr>
-          <a:xfrm>
-            <a:off x="685800" y="4343400"/>
-            <a:ext cx="5486400" cy="4114800"/>
-          </a:xfrm>
-          <a:prstGeom prst="rect">
-            <a:avLst/>
-          </a:prstGeom>
-        </p:spPr>
-        <p:txBody>
-          <a:bodyPr anchorCtr="0" anchor="t" bIns="91425" lIns="91425" spcFirstLastPara="1" rIns="91425" wrap="square" tIns="91425">
-            <a:noAutofit/>
-          </a:bodyPr>
-          <a:lstStyle/>
-          <a:p>
-            <a:pPr indent="0" lvl="0" marL="0" rtl="0" algn="l">
-              <a:spcBef>
-                <a:spcPts val="0"/>
-              </a:spcBef>
-              <a:spcAft>
-                <a:spcPts val="0"/>
-              </a:spcAft>
-              <a:buNone/>
-            </a:pPr>
-            <a:r>
-              <a:t/>
-            </a:r>
-            <a:endParaRPr/>
-          </a:p>
-        </p:txBody>
-      </p:sp>
-    </p:spTree>
-  </p:cSld>
-  <p:clrMapOvr>
-    <a:masterClrMapping/>
-  </p:clrMapOvr>
-</p:notes>
-</file>
-
-<file path=ppt/notesSlides/notesSlide25.xml><?xml version="1.0" encoding="utf-8"?>
-<p:notes xmlns:a="http://schemas.openxmlformats.org/drawingml/2006/main" xmlns:r="http://schemas.openxmlformats.org/officeDocument/2006/relationships" xmlns:mc="http://schemas.openxmlformats.org/markup-compatibility/2006" xmlns:mv="urn:schemas-microsoft-com:mac:vml" xmlns:p="http://schemas.openxmlformats.org/presentationml/2006/main" xmlns:c="http://schemas.openxmlformats.org/drawingml/2006/chart" xmlns:dgm="http://schemas.openxmlformats.org/drawingml/2006/diagram" xmlns:o="urn:schemas-microsoft-com:office:office" xmlns:v="urn:schemas-microsoft-com:vml" xmlns:pvml="urn:schemas-microsoft-com:office:powerpoint" xmlns:com="http://schemas.openxmlformats.org/drawingml/2006/compatibility" xmlns:p14="http://schemas.microsoft.com/office/powerpoint/2010/main" xmlns:p15="http://schemas.microsoft.com/office/powerpoint/2012/main" xmlns:ahyp="http://schemas.microsoft.com/office/drawing/2018/hyperlinkcolor" showMasterPhAnim="0" showMasterSp="0">
-  <p:cSld>
-    <p:spTree>
-      <p:nvGrpSpPr>
-        <p:cNvPr id="212" name="Shape 212"/>
-        <p:cNvGrpSpPr/>
-        <p:nvPr/>
-      </p:nvGrpSpPr>
-      <p:grpSpPr>
-        <a:xfrm>
-          <a:off x="0" y="0"/>
-          <a:ext cx="0" cy="0"/>
-          <a:chOff x="0" y="0"/>
-          <a:chExt cx="0" cy="0"/>
-        </a:xfrm>
-      </p:grpSpPr>
-      <p:sp>
-        <p:nvSpPr>
-          <p:cNvPr id="213" name="Google Shape;213;g2baa999f0e6_0_60:notes"/>
-          <p:cNvSpPr/>
-          <p:nvPr>
-            <p:ph idx="2" type="sldImg"/>
-          </p:nvPr>
-        </p:nvSpPr>
-        <p:spPr>
-          <a:xfrm>
-            <a:off x="381300" y="685800"/>
-            <a:ext cx="6096000" cy="3429000"/>
-          </a:xfrm>
-          <a:custGeom>
-            <a:rect b="b" l="l" r="r" t="t"/>
-            <a:pathLst>
-              <a:path extrusionOk="0" h="120000" w="120000">
-                <a:moveTo>
-                  <a:pt x="0" y="0"/>
-                </a:moveTo>
-                <a:lnTo>
-                  <a:pt x="120000" y="0"/>
-                </a:lnTo>
-                <a:lnTo>
-                  <a:pt x="120000" y="120000"/>
-                </a:lnTo>
-                <a:lnTo>
-                  <a:pt x="0" y="120000"/>
-                </a:lnTo>
-                <a:close/>
-              </a:path>
-            </a:pathLst>
-          </a:custGeom>
-        </p:spPr>
-      </p:sp>
-      <p:sp>
-        <p:nvSpPr>
-          <p:cNvPr id="214" name="Google Shape;214;g2baa999f0e6_0_60:notes"/>
-          <p:cNvSpPr txBox="1"/>
-          <p:nvPr>
-            <p:ph idx="1" type="body"/>
-          </p:nvPr>
-        </p:nvSpPr>
-        <p:spPr>
-          <a:xfrm>
-            <a:off x="685800" y="4343400"/>
-            <a:ext cx="5486400" cy="4114800"/>
-          </a:xfrm>
-          <a:prstGeom prst="rect">
-            <a:avLst/>
-          </a:prstGeom>
-        </p:spPr>
-        <p:txBody>
-          <a:bodyPr anchorCtr="0" anchor="t" bIns="91425" lIns="91425" spcFirstLastPara="1" rIns="91425" wrap="square" tIns="91425">
-            <a:noAutofit/>
-          </a:bodyPr>
-          <a:lstStyle/>
-          <a:p>
-            <a:pPr indent="0" lvl="0" marL="0" rtl="0" algn="l">
-              <a:spcBef>
-                <a:spcPts val="0"/>
-              </a:spcBef>
-              <a:spcAft>
-                <a:spcPts val="0"/>
-              </a:spcAft>
-              <a:buNone/>
-            </a:pPr>
-            <a:r>
-              <a:t/>
-            </a:r>
-            <a:endParaRPr/>
-          </a:p>
-        </p:txBody>
-      </p:sp>
-    </p:spTree>
-  </p:cSld>
-  <p:clrMapOvr>
-    <a:masterClrMapping/>
-  </p:clrMapOvr>
-</p:notes>
-</file>
-
-<file path=ppt/notesSlides/notesSlide26.xml><?xml version="1.0" encoding="utf-8"?>
-<p:notes xmlns:a="http://schemas.openxmlformats.org/drawingml/2006/main" xmlns:r="http://schemas.openxmlformats.org/officeDocument/2006/relationships" xmlns:mc="http://schemas.openxmlformats.org/markup-compatibility/2006" xmlns:mv="urn:schemas-microsoft-com:mac:vml" xmlns:p="http://schemas.openxmlformats.org/presentationml/2006/main" xmlns:c="http://schemas.openxmlformats.org/drawingml/2006/chart" xmlns:dgm="http://schemas.openxmlformats.org/drawingml/2006/diagram" xmlns:o="urn:schemas-microsoft-com:office:office" xmlns:v="urn:schemas-microsoft-com:vml" xmlns:pvml="urn:schemas-microsoft-com:office:powerpoint" xmlns:com="http://schemas.openxmlformats.org/drawingml/2006/compatibility" xmlns:p14="http://schemas.microsoft.com/office/powerpoint/2010/main" xmlns:p15="http://schemas.microsoft.com/office/powerpoint/2012/main" xmlns:ahyp="http://schemas.microsoft.com/office/drawing/2018/hyperlinkcolor" showMasterPhAnim="0" showMasterSp="0">
-  <p:cSld>
-    <p:spTree>
-      <p:nvGrpSpPr>
-        <p:cNvPr id="218" name="Shape 218"/>
-        <p:cNvGrpSpPr/>
-        <p:nvPr/>
-      </p:nvGrpSpPr>
-      <p:grpSpPr>
-        <a:xfrm>
-          <a:off x="0" y="0"/>
-          <a:ext cx="0" cy="0"/>
-          <a:chOff x="0" y="0"/>
-          <a:chExt cx="0" cy="0"/>
-        </a:xfrm>
-      </p:grpSpPr>
-      <p:sp>
-        <p:nvSpPr>
-          <p:cNvPr id="219" name="Google Shape;219;g2baa999f0e6_0_65:notes"/>
-          <p:cNvSpPr/>
-          <p:nvPr>
-            <p:ph idx="2" type="sldImg"/>
-          </p:nvPr>
-        </p:nvSpPr>
-        <p:spPr>
-          <a:xfrm>
-            <a:off x="381300" y="685800"/>
-            <a:ext cx="6096000" cy="3429000"/>
-          </a:xfrm>
-          <a:custGeom>
-            <a:rect b="b" l="l" r="r" t="t"/>
-            <a:pathLst>
-              <a:path extrusionOk="0" h="120000" w="120000">
-                <a:moveTo>
-                  <a:pt x="0" y="0"/>
-                </a:moveTo>
-                <a:lnTo>
-                  <a:pt x="120000" y="0"/>
-                </a:lnTo>
-                <a:lnTo>
-                  <a:pt x="120000" y="120000"/>
-                </a:lnTo>
-                <a:lnTo>
-                  <a:pt x="0" y="120000"/>
-                </a:lnTo>
-                <a:close/>
-              </a:path>
-            </a:pathLst>
-          </a:custGeom>
-        </p:spPr>
-      </p:sp>
-      <p:sp>
-        <p:nvSpPr>
-          <p:cNvPr id="220" name="Google Shape;220;g2baa999f0e6_0_65:notes"/>
-          <p:cNvSpPr txBox="1"/>
-          <p:nvPr>
-            <p:ph idx="1" type="body"/>
-          </p:nvPr>
-        </p:nvSpPr>
-        <p:spPr>
-          <a:xfrm>
-            <a:off x="685800" y="4343400"/>
-            <a:ext cx="5486400" cy="4114800"/>
-          </a:xfrm>
-          <a:prstGeom prst="rect">
-            <a:avLst/>
-          </a:prstGeom>
-        </p:spPr>
-        <p:txBody>
-          <a:bodyPr anchorCtr="0" anchor="t" bIns="91425" lIns="91425" spcFirstLastPara="1" rIns="91425" wrap="square" tIns="91425">
-            <a:noAutofit/>
-          </a:bodyPr>
-          <a:lstStyle/>
-          <a:p>
-            <a:pPr indent="0" lvl="0" marL="0" rtl="0" algn="l">
-              <a:spcBef>
-                <a:spcPts val="0"/>
-              </a:spcBef>
-              <a:spcAft>
-                <a:spcPts val="0"/>
-              </a:spcAft>
-              <a:buNone/>
-            </a:pPr>
-            <a:r>
-              <a:t/>
-            </a:r>
-            <a:endParaRPr/>
-          </a:p>
-        </p:txBody>
-      </p:sp>
-    </p:spTree>
-  </p:cSld>
-  <p:clrMapOvr>
-    <a:masterClrMapping/>
-  </p:clrMapOvr>
-</p:notes>
-</file>
-
-<file path=ppt/notesSlides/notesSlide27.xml><?xml version="1.0" encoding="utf-8"?>
-<p:notes xmlns:a="http://schemas.openxmlformats.org/drawingml/2006/main" xmlns:r="http://schemas.openxmlformats.org/officeDocument/2006/relationships" xmlns:mc="http://schemas.openxmlformats.org/markup-compatibility/2006" xmlns:mv="urn:schemas-microsoft-com:mac:vml" xmlns:p="http://schemas.openxmlformats.org/presentationml/2006/main" xmlns:c="http://schemas.openxmlformats.org/drawingml/2006/chart" xmlns:dgm="http://schemas.openxmlformats.org/drawingml/2006/diagram" xmlns:o="urn:schemas-microsoft-com:office:office" xmlns:v="urn:schemas-microsoft-com:vml" xmlns:pvml="urn:schemas-microsoft-com:office:powerpoint" xmlns:com="http://schemas.openxmlformats.org/drawingml/2006/compatibility" xmlns:p14="http://schemas.microsoft.com/office/powerpoint/2010/main" xmlns:p15="http://schemas.microsoft.com/office/powerpoint/2012/main" xmlns:ahyp="http://schemas.microsoft.com/office/drawing/2018/hyperlinkcolor" showMasterPhAnim="0" showMasterSp="0">
-  <p:cSld>
-    <p:spTree>
-      <p:nvGrpSpPr>
-        <p:cNvPr id="224" name="Shape 224"/>
-        <p:cNvGrpSpPr/>
-        <p:nvPr/>
-      </p:nvGrpSpPr>
-      <p:grpSpPr>
-        <a:xfrm>
-          <a:off x="0" y="0"/>
-          <a:ext cx="0" cy="0"/>
-          <a:chOff x="0" y="0"/>
-          <a:chExt cx="0" cy="0"/>
-        </a:xfrm>
-      </p:grpSpPr>
-      <p:sp>
-        <p:nvSpPr>
-          <p:cNvPr id="225" name="Google Shape;225;g2baa999f0e6_0_70:notes"/>
-          <p:cNvSpPr/>
-          <p:nvPr>
-            <p:ph idx="2" type="sldImg"/>
-          </p:nvPr>
-        </p:nvSpPr>
-        <p:spPr>
-          <a:xfrm>
-            <a:off x="381300" y="685800"/>
-            <a:ext cx="6096000" cy="3429000"/>
-          </a:xfrm>
-          <a:custGeom>
-            <a:rect b="b" l="l" r="r" t="t"/>
-            <a:pathLst>
-              <a:path extrusionOk="0" h="120000" w="120000">
-                <a:moveTo>
-                  <a:pt x="0" y="0"/>
-                </a:moveTo>
-                <a:lnTo>
-                  <a:pt x="120000" y="0"/>
-                </a:lnTo>
-                <a:lnTo>
-                  <a:pt x="120000" y="120000"/>
-                </a:lnTo>
-                <a:lnTo>
-                  <a:pt x="0" y="120000"/>
-                </a:lnTo>
-                <a:close/>
-              </a:path>
-            </a:pathLst>
-          </a:custGeom>
-        </p:spPr>
-      </p:sp>
-      <p:sp>
-        <p:nvSpPr>
-          <p:cNvPr id="226" name="Google Shape;226;g2baa999f0e6_0_70:notes"/>
+          <p:cNvPr id="194" name="Google Shape;194;g2baa999f0e6_0_25:notes"/>
           <p:cNvSpPr txBox="1"/>
           <p:nvPr>
             <p:ph idx="1" type="body"/>
@@ -9107,7 +8507,7 @@
             </a:pPr>
             <a:r>
               <a:rPr lang="en"/>
-              <a:t>Raw Data</a:t>
+              <a:t>Data Cleaning and PreProcessing </a:t>
             </a:r>
             <a:endParaRPr/>
           </a:p>
@@ -9238,7 +8638,7 @@
             </a:pPr>
             <a:r>
               <a:rPr lang="en"/>
-              <a:t>Integration</a:t>
+              <a:t>Firebase Connection</a:t>
             </a:r>
             <a:endParaRPr/>
           </a:p>
@@ -9254,8 +8654,8 @@
         </p:nvSpPr>
         <p:spPr>
           <a:xfrm>
-            <a:off x="311700" y="1102475"/>
-            <a:ext cx="9225000" cy="3810600"/>
+            <a:off x="311700" y="1152475"/>
+            <a:ext cx="8520600" cy="3416400"/>
           </a:xfrm>
           <a:prstGeom prst="rect">
             <a:avLst/>
@@ -9267,56 +8667,9 @@
           </a:bodyPr>
           <a:lstStyle/>
           <a:p>
-            <a:pPr indent="-342900" lvl="0" marL="457200" rtl="0" algn="just">
-              <a:spcBef>
-                <a:spcPts val="0"/>
-              </a:spcBef>
-              <a:spcAft>
-                <a:spcPts val="0"/>
-              </a:spcAft>
-              <a:buSzPts val="1800"/>
-              <a:buChar char="●"/>
-            </a:pPr>
-            <a:r>
-              <a:rPr lang="en"/>
-              <a:t>The integration of GPT-3.5 model, VS Code, and Streamlit forms the foundation of our dashboard. GPT-3.5 model provides natural language processing capabilities to interpret user inputs and generate recommendations.VS Code serves as the development environment for coding and managing the project. Streamlit acts as the user interface framework, enabling seamless interaction and visualization of data and recommendations.</a:t>
-            </a:r>
-            <a:endParaRPr/>
-          </a:p>
-          <a:p>
             <a:pPr indent="0" lvl="0" marL="0" rtl="0" algn="l">
               <a:spcBef>
-                <a:spcPts val="1200"/>
-              </a:spcBef>
-              <a:spcAft>
-                <a:spcPts val="0"/>
-              </a:spcAft>
-              <a:buNone/>
-            </a:pPr>
-            <a:r>
-              <a:t/>
-            </a:r>
-            <a:endParaRPr/>
-          </a:p>
-          <a:p>
-            <a:pPr indent="0" lvl="0" marL="0" rtl="0" algn="l">
-              <a:spcBef>
-                <a:spcPts val="1200"/>
-              </a:spcBef>
-              <a:spcAft>
-                <a:spcPts val="0"/>
-              </a:spcAft>
-              <a:buNone/>
-            </a:pPr>
-            <a:r>
-              <a:t/>
-            </a:r>
-            <a:endParaRPr/>
-          </a:p>
-          <a:p>
-            <a:pPr indent="0" lvl="0" marL="0" rtl="0" algn="l">
-              <a:spcBef>
-                <a:spcPts val="1200"/>
+                <a:spcPts val="0"/>
               </a:spcBef>
               <a:spcAft>
                 <a:spcPts val="1200"/>
@@ -9330,6 +8683,34 @@
           </a:p>
         </p:txBody>
       </p:sp>
+      <p:pic>
+        <p:nvPicPr>
+          <p:cNvPr id="135" name="Google Shape;135;p23"/>
+          <p:cNvPicPr preferRelativeResize="0"/>
+          <p:nvPr/>
+        </p:nvPicPr>
+        <p:blipFill>
+          <a:blip r:embed="rId3">
+            <a:alphaModFix/>
+          </a:blip>
+          <a:stretch>
+            <a:fillRect/>
+          </a:stretch>
+        </p:blipFill>
+        <p:spPr>
+          <a:xfrm>
+            <a:off x="121300" y="1152475"/>
+            <a:ext cx="8710999" cy="3517274"/>
+          </a:xfrm>
+          <a:prstGeom prst="rect">
+            <a:avLst/>
+          </a:prstGeom>
+          <a:noFill/>
+          <a:ln>
+            <a:noFill/>
+          </a:ln>
+        </p:spPr>
+      </p:pic>
     </p:spTree>
   </p:cSld>
   <p:clrMapOvr>
@@ -9343,7 +8724,7 @@
   <p:cSld>
     <p:spTree>
       <p:nvGrpSpPr>
-        <p:cNvPr id="138" name="Shape 138"/>
+        <p:cNvPr id="139" name="Shape 139"/>
         <p:cNvGrpSpPr/>
         <p:nvPr/>
       </p:nvGrpSpPr>
@@ -9357,7 +8738,7 @@
       </p:grpSpPr>
       <p:sp>
         <p:nvSpPr>
-          <p:cNvPr id="139" name="Google Shape;139;p24"/>
+          <p:cNvPr id="140" name="Google Shape;140;p24"/>
           <p:cNvSpPr txBox="1"/>
           <p:nvPr>
             <p:ph type="title"/>
@@ -9389,7 +8770,7 @@
             </a:pPr>
             <a:r>
               <a:rPr lang="en"/>
-              <a:t>Integration Challenges and Solutions</a:t>
+              <a:t>Layoff data_Visualization</a:t>
             </a:r>
             <a:endParaRPr/>
           </a:p>
@@ -9397,7 +8778,460 @@
       </p:sp>
       <p:sp>
         <p:nvSpPr>
-          <p:cNvPr id="140" name="Google Shape;140;p24"/>
+          <p:cNvPr id="141" name="Google Shape;141;p24"/>
+          <p:cNvSpPr txBox="1"/>
+          <p:nvPr>
+            <p:ph idx="1" type="body"/>
+          </p:nvPr>
+        </p:nvSpPr>
+        <p:spPr>
+          <a:xfrm>
+            <a:off x="311700" y="1152475"/>
+            <a:ext cx="8520600" cy="3416400"/>
+          </a:xfrm>
+          <a:prstGeom prst="rect">
+            <a:avLst/>
+          </a:prstGeom>
+        </p:spPr>
+        <p:txBody>
+          <a:bodyPr anchorCtr="0" anchor="t" bIns="91425" lIns="91425" spcFirstLastPara="1" rIns="91425" wrap="square" tIns="91425">
+            <a:normAutofit/>
+          </a:bodyPr>
+          <a:lstStyle/>
+          <a:p>
+            <a:pPr indent="0" lvl="0" marL="0" rtl="0" algn="l">
+              <a:spcBef>
+                <a:spcPts val="0"/>
+              </a:spcBef>
+              <a:spcAft>
+                <a:spcPts val="1200"/>
+              </a:spcAft>
+              <a:buNone/>
+            </a:pPr>
+            <a:r>
+              <a:t/>
+            </a:r>
+            <a:endParaRPr/>
+          </a:p>
+        </p:txBody>
+      </p:sp>
+      <p:pic>
+        <p:nvPicPr>
+          <p:cNvPr id="142" name="Google Shape;142;p24"/>
+          <p:cNvPicPr preferRelativeResize="0"/>
+          <p:nvPr/>
+        </p:nvPicPr>
+        <p:blipFill>
+          <a:blip r:embed="rId3">
+            <a:alphaModFix/>
+          </a:blip>
+          <a:stretch>
+            <a:fillRect/>
+          </a:stretch>
+        </p:blipFill>
+        <p:spPr>
+          <a:xfrm>
+            <a:off x="311700" y="1152475"/>
+            <a:ext cx="8520600" cy="3416400"/>
+          </a:xfrm>
+          <a:prstGeom prst="rect">
+            <a:avLst/>
+          </a:prstGeom>
+          <a:noFill/>
+          <a:ln>
+            <a:noFill/>
+          </a:ln>
+        </p:spPr>
+      </p:pic>
+    </p:spTree>
+  </p:cSld>
+  <p:clrMapOvr>
+    <a:masterClrMapping/>
+  </p:clrMapOvr>
+</p:sld>
+</file>
+
+<file path=ppt/slides/slide13.xml><?xml version="1.0" encoding="utf-8"?>
+<p:sld xmlns:a="http://schemas.openxmlformats.org/drawingml/2006/main" xmlns:r="http://schemas.openxmlformats.org/officeDocument/2006/relationships" xmlns:mc="http://schemas.openxmlformats.org/markup-compatibility/2006" xmlns:mv="urn:schemas-microsoft-com:mac:vml" xmlns:p="http://schemas.openxmlformats.org/presentationml/2006/main" xmlns:c="http://schemas.openxmlformats.org/drawingml/2006/chart" xmlns:dgm="http://schemas.openxmlformats.org/drawingml/2006/diagram" xmlns:o="urn:schemas-microsoft-com:office:office" xmlns:v="urn:schemas-microsoft-com:vml" xmlns:pvml="urn:schemas-microsoft-com:office:powerpoint" xmlns:com="http://schemas.openxmlformats.org/drawingml/2006/compatibility" xmlns:p14="http://schemas.microsoft.com/office/powerpoint/2010/main" xmlns:p15="http://schemas.microsoft.com/office/powerpoint/2012/main" xmlns:ahyp="http://schemas.microsoft.com/office/drawing/2018/hyperlinkcolor">
+  <p:cSld>
+    <p:spTree>
+      <p:nvGrpSpPr>
+        <p:cNvPr id="146" name="Shape 146"/>
+        <p:cNvGrpSpPr/>
+        <p:nvPr/>
+      </p:nvGrpSpPr>
+      <p:grpSpPr>
+        <a:xfrm>
+          <a:off x="0" y="0"/>
+          <a:ext cx="0" cy="0"/>
+          <a:chOff x="0" y="0"/>
+          <a:chExt cx="0" cy="0"/>
+        </a:xfrm>
+      </p:grpSpPr>
+      <p:sp>
+        <p:nvSpPr>
+          <p:cNvPr id="147" name="Google Shape;147;p25"/>
+          <p:cNvSpPr txBox="1"/>
+          <p:nvPr>
+            <p:ph type="title"/>
+          </p:nvPr>
+        </p:nvSpPr>
+        <p:spPr>
+          <a:xfrm>
+            <a:off x="311700" y="445025"/>
+            <a:ext cx="8520600" cy="493200"/>
+          </a:xfrm>
+          <a:prstGeom prst="rect">
+            <a:avLst/>
+          </a:prstGeom>
+        </p:spPr>
+        <p:txBody>
+          <a:bodyPr anchorCtr="0" anchor="t" bIns="91425" lIns="91425" spcFirstLastPara="1" rIns="91425" wrap="square" tIns="91425">
+            <a:normAutofit fontScale="90000"/>
+          </a:bodyPr>
+          <a:lstStyle/>
+          <a:p>
+            <a:pPr indent="0" lvl="0" marL="0" rtl="0" algn="l">
+              <a:spcBef>
+                <a:spcPts val="0"/>
+              </a:spcBef>
+              <a:spcAft>
+                <a:spcPts val="0"/>
+              </a:spcAft>
+              <a:buNone/>
+            </a:pPr>
+            <a:r>
+              <a:rPr lang="en"/>
+              <a:t>Layoff_ Visualization</a:t>
+            </a:r>
+            <a:endParaRPr/>
+          </a:p>
+        </p:txBody>
+      </p:sp>
+      <p:sp>
+        <p:nvSpPr>
+          <p:cNvPr id="148" name="Google Shape;148;p25"/>
+          <p:cNvSpPr txBox="1"/>
+          <p:nvPr>
+            <p:ph idx="1" type="body"/>
+          </p:nvPr>
+        </p:nvSpPr>
+        <p:spPr>
+          <a:xfrm>
+            <a:off x="311700" y="1152475"/>
+            <a:ext cx="8520600" cy="3416400"/>
+          </a:xfrm>
+          <a:prstGeom prst="rect">
+            <a:avLst/>
+          </a:prstGeom>
+        </p:spPr>
+        <p:txBody>
+          <a:bodyPr anchorCtr="0" anchor="t" bIns="91425" lIns="91425" spcFirstLastPara="1" rIns="91425" wrap="square" tIns="91425">
+            <a:normAutofit/>
+          </a:bodyPr>
+          <a:lstStyle/>
+          <a:p>
+            <a:pPr indent="0" lvl="0" marL="0" rtl="0" algn="l">
+              <a:spcBef>
+                <a:spcPts val="0"/>
+              </a:spcBef>
+              <a:spcAft>
+                <a:spcPts val="1200"/>
+              </a:spcAft>
+              <a:buNone/>
+            </a:pPr>
+            <a:r>
+              <a:t/>
+            </a:r>
+            <a:endParaRPr/>
+          </a:p>
+        </p:txBody>
+      </p:sp>
+      <p:pic>
+        <p:nvPicPr>
+          <p:cNvPr id="149" name="Google Shape;149;p25"/>
+          <p:cNvPicPr preferRelativeResize="0"/>
+          <p:nvPr/>
+        </p:nvPicPr>
+        <p:blipFill>
+          <a:blip r:embed="rId3">
+            <a:alphaModFix/>
+          </a:blip>
+          <a:stretch>
+            <a:fillRect/>
+          </a:stretch>
+        </p:blipFill>
+        <p:spPr>
+          <a:xfrm>
+            <a:off x="0" y="1017725"/>
+            <a:ext cx="8832300" cy="3570976"/>
+          </a:xfrm>
+          <a:prstGeom prst="rect">
+            <a:avLst/>
+          </a:prstGeom>
+          <a:noFill/>
+          <a:ln>
+            <a:noFill/>
+          </a:ln>
+        </p:spPr>
+      </p:pic>
+    </p:spTree>
+  </p:cSld>
+  <p:clrMapOvr>
+    <a:masterClrMapping/>
+  </p:clrMapOvr>
+</p:sld>
+</file>
+
+<file path=ppt/slides/slide14.xml><?xml version="1.0" encoding="utf-8"?>
+<p:sld xmlns:a="http://schemas.openxmlformats.org/drawingml/2006/main" xmlns:r="http://schemas.openxmlformats.org/officeDocument/2006/relationships" xmlns:mc="http://schemas.openxmlformats.org/markup-compatibility/2006" xmlns:mv="urn:schemas-microsoft-com:mac:vml" xmlns:p="http://schemas.openxmlformats.org/presentationml/2006/main" xmlns:c="http://schemas.openxmlformats.org/drawingml/2006/chart" xmlns:dgm="http://schemas.openxmlformats.org/drawingml/2006/diagram" xmlns:o="urn:schemas-microsoft-com:office:office" xmlns:v="urn:schemas-microsoft-com:vml" xmlns:pvml="urn:schemas-microsoft-com:office:powerpoint" xmlns:com="http://schemas.openxmlformats.org/drawingml/2006/compatibility" xmlns:p14="http://schemas.microsoft.com/office/powerpoint/2010/main" xmlns:p15="http://schemas.microsoft.com/office/powerpoint/2012/main" xmlns:ahyp="http://schemas.microsoft.com/office/drawing/2018/hyperlinkcolor">
+  <p:cSld>
+    <p:bg>
+      <p:bgPr>
+        <a:gradFill>
+          <a:gsLst>
+            <a:gs pos="0">
+              <a:srgbClr val="DFE9FB"/>
+            </a:gs>
+            <a:gs pos="100000">
+              <a:srgbClr val="6E9BE7"/>
+            </a:gs>
+          </a:gsLst>
+          <a:path path="circle">
+            <a:fillToRect b="50%" l="50%" r="50%" t="50%"/>
+          </a:path>
+          <a:tileRect/>
+        </a:gradFill>
+      </p:bgPr>
+    </p:bg>
+    <p:spTree>
+      <p:nvGrpSpPr>
+        <p:cNvPr id="153" name="Shape 153"/>
+        <p:cNvGrpSpPr/>
+        <p:nvPr/>
+      </p:nvGrpSpPr>
+      <p:grpSpPr>
+        <a:xfrm>
+          <a:off x="0" y="0"/>
+          <a:ext cx="0" cy="0"/>
+          <a:chOff x="0" y="0"/>
+          <a:chExt cx="0" cy="0"/>
+        </a:xfrm>
+      </p:grpSpPr>
+      <p:sp>
+        <p:nvSpPr>
+          <p:cNvPr id="154" name="Google Shape;154;p26"/>
+          <p:cNvSpPr txBox="1"/>
+          <p:nvPr>
+            <p:ph type="title"/>
+          </p:nvPr>
+        </p:nvSpPr>
+        <p:spPr>
+          <a:xfrm>
+            <a:off x="311700" y="445025"/>
+            <a:ext cx="8520600" cy="572700"/>
+          </a:xfrm>
+          <a:prstGeom prst="rect">
+            <a:avLst/>
+          </a:prstGeom>
+        </p:spPr>
+        <p:txBody>
+          <a:bodyPr anchorCtr="0" anchor="t" bIns="91425" lIns="91425" spcFirstLastPara="1" rIns="91425" wrap="square" tIns="91425">
+            <a:normAutofit fontScale="90000"/>
+          </a:bodyPr>
+          <a:lstStyle/>
+          <a:p>
+            <a:pPr indent="0" lvl="0" marL="0" rtl="0" algn="l">
+              <a:spcBef>
+                <a:spcPts val="0"/>
+              </a:spcBef>
+              <a:spcAft>
+                <a:spcPts val="0"/>
+              </a:spcAft>
+              <a:buNone/>
+            </a:pPr>
+            <a:r>
+              <a:rPr lang="en"/>
+              <a:t>Integration</a:t>
+            </a:r>
+            <a:endParaRPr/>
+          </a:p>
+        </p:txBody>
+      </p:sp>
+      <p:sp>
+        <p:nvSpPr>
+          <p:cNvPr id="155" name="Google Shape;155;p26"/>
+          <p:cNvSpPr txBox="1"/>
+          <p:nvPr>
+            <p:ph idx="1" type="body"/>
+          </p:nvPr>
+        </p:nvSpPr>
+        <p:spPr>
+          <a:xfrm>
+            <a:off x="311700" y="1102475"/>
+            <a:ext cx="8422500" cy="3810600"/>
+          </a:xfrm>
+          <a:prstGeom prst="rect">
+            <a:avLst/>
+          </a:prstGeom>
+        </p:spPr>
+        <p:txBody>
+          <a:bodyPr anchorCtr="0" anchor="t" bIns="91425" lIns="91425" spcFirstLastPara="1" rIns="91425" wrap="square" tIns="91425">
+            <a:normAutofit/>
+          </a:bodyPr>
+          <a:lstStyle/>
+          <a:p>
+            <a:pPr indent="-342900" lvl="0" marL="457200" rtl="0" algn="just">
+              <a:spcBef>
+                <a:spcPts val="0"/>
+              </a:spcBef>
+              <a:spcAft>
+                <a:spcPts val="0"/>
+              </a:spcAft>
+              <a:buSzPts val="1800"/>
+              <a:buChar char="●"/>
+            </a:pPr>
+            <a:r>
+              <a:rPr lang="en"/>
+              <a:t>The integration of GPT-3.5 model, VS Code, and Streamlit forms the foundation of our dashboard. GPT-3.5 model provides natural language processing capabilities to interpret user inputs and generate recommendations.VS Code serves as the development environment for coding and managing the project. Streamlit acts as the user interface framework, enabling seamless interaction and visualization of data and recommendations.</a:t>
+            </a:r>
+            <a:endParaRPr/>
+          </a:p>
+          <a:p>
+            <a:pPr indent="0" lvl="0" marL="0" rtl="0" algn="l">
+              <a:spcBef>
+                <a:spcPts val="1200"/>
+              </a:spcBef>
+              <a:spcAft>
+                <a:spcPts val="0"/>
+              </a:spcAft>
+              <a:buNone/>
+            </a:pPr>
+            <a:r>
+              <a:t/>
+            </a:r>
+            <a:endParaRPr/>
+          </a:p>
+          <a:p>
+            <a:pPr indent="0" lvl="0" marL="0" rtl="0" algn="l">
+              <a:spcBef>
+                <a:spcPts val="1200"/>
+              </a:spcBef>
+              <a:spcAft>
+                <a:spcPts val="0"/>
+              </a:spcAft>
+              <a:buNone/>
+            </a:pPr>
+            <a:r>
+              <a:t/>
+            </a:r>
+            <a:endParaRPr/>
+          </a:p>
+          <a:p>
+            <a:pPr indent="0" lvl="0" marL="0" rtl="0" algn="l">
+              <a:spcBef>
+                <a:spcPts val="1200"/>
+              </a:spcBef>
+              <a:spcAft>
+                <a:spcPts val="1200"/>
+              </a:spcAft>
+              <a:buNone/>
+            </a:pPr>
+            <a:r>
+              <a:t/>
+            </a:r>
+            <a:endParaRPr/>
+          </a:p>
+        </p:txBody>
+      </p:sp>
+    </p:spTree>
+  </p:cSld>
+  <p:clrMapOvr>
+    <a:masterClrMapping/>
+  </p:clrMapOvr>
+</p:sld>
+</file>
+
+<file path=ppt/slides/slide15.xml><?xml version="1.0" encoding="utf-8"?>
+<p:sld xmlns:a="http://schemas.openxmlformats.org/drawingml/2006/main" xmlns:r="http://schemas.openxmlformats.org/officeDocument/2006/relationships" xmlns:mc="http://schemas.openxmlformats.org/markup-compatibility/2006" xmlns:mv="urn:schemas-microsoft-com:mac:vml" xmlns:p="http://schemas.openxmlformats.org/presentationml/2006/main" xmlns:c="http://schemas.openxmlformats.org/drawingml/2006/chart" xmlns:dgm="http://schemas.openxmlformats.org/drawingml/2006/diagram" xmlns:o="urn:schemas-microsoft-com:office:office" xmlns:v="urn:schemas-microsoft-com:vml" xmlns:pvml="urn:schemas-microsoft-com:office:powerpoint" xmlns:com="http://schemas.openxmlformats.org/drawingml/2006/compatibility" xmlns:p14="http://schemas.microsoft.com/office/powerpoint/2010/main" xmlns:p15="http://schemas.microsoft.com/office/powerpoint/2012/main" xmlns:ahyp="http://schemas.microsoft.com/office/drawing/2018/hyperlinkcolor">
+  <p:cSld>
+    <p:bg>
+      <p:bgPr>
+        <a:blipFill>
+          <a:blip r:embed="rId3">
+            <a:alphaModFix/>
+          </a:blip>
+          <a:stretch>
+            <a:fillRect/>
+          </a:stretch>
+        </a:blipFill>
+      </p:bgPr>
+    </p:bg>
+    <p:spTree>
+      <p:nvGrpSpPr>
+        <p:cNvPr id="159" name="Shape 159"/>
+        <p:cNvGrpSpPr/>
+        <p:nvPr/>
+      </p:nvGrpSpPr>
+      <p:grpSpPr>
+        <a:xfrm>
+          <a:off x="0" y="0"/>
+          <a:ext cx="0" cy="0"/>
+          <a:chOff x="0" y="0"/>
+          <a:chExt cx="0" cy="0"/>
+        </a:xfrm>
+      </p:grpSpPr>
+      <p:sp>
+        <p:nvSpPr>
+          <p:cNvPr id="160" name="Google Shape;160;p27"/>
+          <p:cNvSpPr txBox="1"/>
+          <p:nvPr>
+            <p:ph type="title"/>
+          </p:nvPr>
+        </p:nvSpPr>
+        <p:spPr>
+          <a:xfrm>
+            <a:off x="311700" y="445025"/>
+            <a:ext cx="8520600" cy="572700"/>
+          </a:xfrm>
+          <a:prstGeom prst="rect">
+            <a:avLst/>
+          </a:prstGeom>
+        </p:spPr>
+        <p:txBody>
+          <a:bodyPr anchorCtr="0" anchor="t" bIns="91425" lIns="91425" spcFirstLastPara="1" rIns="91425" wrap="square" tIns="91425">
+            <a:normAutofit fontScale="90000"/>
+          </a:bodyPr>
+          <a:lstStyle/>
+          <a:p>
+            <a:pPr indent="0" lvl="0" marL="0" rtl="0" algn="l">
+              <a:spcBef>
+                <a:spcPts val="0"/>
+              </a:spcBef>
+              <a:spcAft>
+                <a:spcPts val="0"/>
+              </a:spcAft>
+              <a:buNone/>
+            </a:pPr>
+            <a:r>
+              <a:rPr lang="en"/>
+              <a:t>Inte</a:t>
+            </a:r>
+            <a:r>
+              <a:rPr lang="en"/>
+              <a:t>gration </a:t>
+            </a:r>
+            <a:r>
+              <a:rPr lang="en"/>
+              <a:t>Challenges and Solutions</a:t>
+            </a:r>
+            <a:endParaRPr/>
+          </a:p>
+        </p:txBody>
+      </p:sp>
+      <p:sp>
+        <p:nvSpPr>
+          <p:cNvPr id="161" name="Google Shape;161;p27"/>
           <p:cNvSpPr txBox="1"/>
           <p:nvPr>
             <p:ph idx="1" type="body"/>
@@ -9428,14 +9262,26 @@
               <a:buNone/>
             </a:pPr>
             <a:r>
-              <a:rPr lang="en"/>
+              <a:rPr lang="en">
+                <a:solidFill>
+                  <a:schemeClr val="lt1"/>
+                </a:solidFill>
+              </a:rPr>
               <a:t>Here are C</a:t>
             </a:r>
             <a:r>
-              <a:rPr lang="en"/>
+              <a:rPr lang="en">
+                <a:solidFill>
+                  <a:schemeClr val="lt1"/>
+                </a:solidFill>
+              </a:rPr>
               <a:t>hallenges and </a:t>
             </a:r>
-            <a:endParaRPr/>
+            <a:endParaRPr>
+              <a:solidFill>
+                <a:schemeClr val="lt1"/>
+              </a:solidFill>
+            </a:endParaRPr>
           </a:p>
           <a:p>
             <a:pPr indent="0" lvl="0" marL="0" rtl="0" algn="l">
@@ -9448,10 +9294,18 @@
               <a:buNone/>
             </a:pPr>
             <a:r>
-              <a:rPr lang="en"/>
+              <a:rPr lang="en">
+                <a:solidFill>
+                  <a:schemeClr val="lt1"/>
+                </a:solidFill>
+              </a:rPr>
               <a:t>Challenge 1: Handling large datasets efficiently and securely, especially when using Firebase.</a:t>
             </a:r>
-            <a:endParaRPr/>
+            <a:endParaRPr>
+              <a:solidFill>
+                <a:schemeClr val="lt1"/>
+              </a:solidFill>
+            </a:endParaRPr>
           </a:p>
           <a:p>
             <a:pPr indent="0" lvl="0" marL="0" rtl="0" algn="l">
@@ -9464,10 +9318,18 @@
               <a:buNone/>
             </a:pPr>
             <a:r>
-              <a:rPr lang="en"/>
+              <a:rPr lang="en">
+                <a:solidFill>
+                  <a:schemeClr val="lt1"/>
+                </a:solidFill>
+              </a:rPr>
               <a:t>Solution 1: Optimizing data storage and retrieval processes, and implementing robust security measures to protect sensitive information.</a:t>
             </a:r>
-            <a:endParaRPr/>
+            <a:endParaRPr>
+              <a:solidFill>
+                <a:schemeClr val="lt1"/>
+              </a:solidFill>
+            </a:endParaRPr>
           </a:p>
           <a:p>
             <a:pPr indent="0" lvl="0" marL="0" rtl="0" algn="l">
@@ -9480,10 +9342,18 @@
               <a:buNone/>
             </a:pPr>
             <a:r>
-              <a:rPr lang="en"/>
+              <a:rPr lang="en">
+                <a:solidFill>
+                  <a:schemeClr val="lt1"/>
+                </a:solidFill>
+              </a:rPr>
               <a:t>Challenge 2: Ensuring compatibility and consistency across different platforms. </a:t>
             </a:r>
-            <a:endParaRPr/>
+            <a:endParaRPr>
+              <a:solidFill>
+                <a:schemeClr val="lt1"/>
+              </a:solidFill>
+            </a:endParaRPr>
           </a:p>
           <a:p>
             <a:pPr indent="0" lvl="0" marL="0" rtl="0" algn="l">
@@ -9496,10 +9366,18 @@
               <a:buNone/>
             </a:pPr>
             <a:r>
-              <a:rPr lang="en"/>
+              <a:rPr lang="en">
+                <a:solidFill>
+                  <a:schemeClr val="lt1"/>
+                </a:solidFill>
+              </a:rPr>
               <a:t>Solution 2: Conducting thorough testing and debugging, and implementing compatibility checks and version control mechanisms.</a:t>
             </a:r>
-            <a:endParaRPr/>
+            <a:endParaRPr>
+              <a:solidFill>
+                <a:schemeClr val="lt1"/>
+              </a:solidFill>
+            </a:endParaRPr>
           </a:p>
           <a:p>
             <a:pPr indent="0" lvl="0" marL="0" rtl="0" algn="l">
@@ -9541,12 +9419,30 @@
 </p:sld>
 </file>
 
-<file path=ppt/slides/slide13.xml><?xml version="1.0" encoding="utf-8"?>
+<file path=ppt/slides/slide16.xml><?xml version="1.0" encoding="utf-8"?>
 <p:sld xmlns:a="http://schemas.openxmlformats.org/drawingml/2006/main" xmlns:r="http://schemas.openxmlformats.org/officeDocument/2006/relationships" xmlns:mc="http://schemas.openxmlformats.org/markup-compatibility/2006" xmlns:mv="urn:schemas-microsoft-com:mac:vml" xmlns:p="http://schemas.openxmlformats.org/presentationml/2006/main" xmlns:c="http://schemas.openxmlformats.org/drawingml/2006/chart" xmlns:dgm="http://schemas.openxmlformats.org/drawingml/2006/diagram" xmlns:o="urn:schemas-microsoft-com:office:office" xmlns:v="urn:schemas-microsoft-com:vml" xmlns:pvml="urn:schemas-microsoft-com:office:powerpoint" xmlns:com="http://schemas.openxmlformats.org/drawingml/2006/compatibility" xmlns:p14="http://schemas.microsoft.com/office/powerpoint/2010/main" xmlns:p15="http://schemas.microsoft.com/office/powerpoint/2012/main" xmlns:ahyp="http://schemas.microsoft.com/office/drawing/2018/hyperlinkcolor">
   <p:cSld>
+    <p:bg>
+      <p:bgPr>
+        <a:gradFill>
+          <a:gsLst>
+            <a:gs pos="0">
+              <a:srgbClr val="DFE9FB"/>
+            </a:gs>
+            <a:gs pos="100000">
+              <a:srgbClr val="6E9BE7"/>
+            </a:gs>
+          </a:gsLst>
+          <a:path path="circle">
+            <a:fillToRect b="50%" l="50%" r="50%" t="50%"/>
+          </a:path>
+          <a:tileRect/>
+        </a:gradFill>
+      </p:bgPr>
+    </p:bg>
     <p:spTree>
       <p:nvGrpSpPr>
-        <p:cNvPr id="144" name="Shape 144"/>
+        <p:cNvPr id="165" name="Shape 165"/>
         <p:cNvGrpSpPr/>
         <p:nvPr/>
       </p:nvGrpSpPr>
@@ -9560,7 +9456,7 @@
       </p:grpSpPr>
       <p:sp>
         <p:nvSpPr>
-          <p:cNvPr id="145" name="Google Shape;145;p25"/>
+          <p:cNvPr id="166" name="Google Shape;166;p28"/>
           <p:cNvSpPr txBox="1"/>
           <p:nvPr>
             <p:ph type="title"/>
@@ -9600,7 +9496,7 @@
       </p:sp>
       <p:sp>
         <p:nvSpPr>
-          <p:cNvPr id="146" name="Google Shape;146;p25"/>
+          <p:cNvPr id="167" name="Google Shape;167;p28"/>
           <p:cNvSpPr txBox="1"/>
           <p:nvPr>
             <p:ph idx="1" type="body"/>
@@ -9698,12 +9594,30 @@
 </p:sld>
 </file>
 
-<file path=ppt/slides/slide14.xml><?xml version="1.0" encoding="utf-8"?>
+<file path=ppt/slides/slide17.xml><?xml version="1.0" encoding="utf-8"?>
 <p:sld xmlns:a="http://schemas.openxmlformats.org/drawingml/2006/main" xmlns:r="http://schemas.openxmlformats.org/officeDocument/2006/relationships" xmlns:mc="http://schemas.openxmlformats.org/markup-compatibility/2006" xmlns:mv="urn:schemas-microsoft-com:mac:vml" xmlns:p="http://schemas.openxmlformats.org/presentationml/2006/main" xmlns:c="http://schemas.openxmlformats.org/drawingml/2006/chart" xmlns:dgm="http://schemas.openxmlformats.org/drawingml/2006/diagram" xmlns:o="urn:schemas-microsoft-com:office:office" xmlns:v="urn:schemas-microsoft-com:vml" xmlns:pvml="urn:schemas-microsoft-com:office:powerpoint" xmlns:com="http://schemas.openxmlformats.org/drawingml/2006/compatibility" xmlns:p14="http://schemas.microsoft.com/office/powerpoint/2010/main" xmlns:p15="http://schemas.microsoft.com/office/powerpoint/2012/main" xmlns:ahyp="http://schemas.microsoft.com/office/drawing/2018/hyperlinkcolor">
   <p:cSld>
+    <p:bg>
+      <p:bgPr>
+        <a:gradFill>
+          <a:gsLst>
+            <a:gs pos="0">
+              <a:srgbClr val="DFE9FB"/>
+            </a:gs>
+            <a:gs pos="100000">
+              <a:srgbClr val="6E9BE7"/>
+            </a:gs>
+          </a:gsLst>
+          <a:path path="circle">
+            <a:fillToRect b="50%" l="50%" r="50%" t="50%"/>
+          </a:path>
+          <a:tileRect/>
+        </a:gradFill>
+      </p:bgPr>
+    </p:bg>
     <p:spTree>
       <p:nvGrpSpPr>
-        <p:cNvPr id="150" name="Shape 150"/>
+        <p:cNvPr id="171" name="Shape 171"/>
         <p:cNvGrpSpPr/>
         <p:nvPr/>
       </p:nvGrpSpPr>
@@ -9717,7 +9631,7 @@
       </p:grpSpPr>
       <p:sp>
         <p:nvSpPr>
-          <p:cNvPr id="151" name="Google Shape;151;p26"/>
+          <p:cNvPr id="172" name="Google Shape;172;p29"/>
           <p:cNvSpPr txBox="1"/>
           <p:nvPr>
             <p:ph type="title"/>
@@ -9757,7 +9671,7 @@
       </p:sp>
       <p:sp>
         <p:nvSpPr>
-          <p:cNvPr id="152" name="Google Shape;152;p26"/>
+          <p:cNvPr id="173" name="Google Shape;173;p29"/>
           <p:cNvSpPr txBox="1"/>
           <p:nvPr>
             <p:ph idx="1" type="body"/>
@@ -9821,12 +9735,12 @@
 </p:sld>
 </file>
 
-<file path=ppt/slides/slide15.xml><?xml version="1.0" encoding="utf-8"?>
+<file path=ppt/slides/slide18.xml><?xml version="1.0" encoding="utf-8"?>
 <p:sld xmlns:a="http://schemas.openxmlformats.org/drawingml/2006/main" xmlns:r="http://schemas.openxmlformats.org/officeDocument/2006/relationships" xmlns:mc="http://schemas.openxmlformats.org/markup-compatibility/2006" xmlns:mv="urn:schemas-microsoft-com:mac:vml" xmlns:p="http://schemas.openxmlformats.org/presentationml/2006/main" xmlns:c="http://schemas.openxmlformats.org/drawingml/2006/chart" xmlns:dgm="http://schemas.openxmlformats.org/drawingml/2006/diagram" xmlns:o="urn:schemas-microsoft-com:office:office" xmlns:v="urn:schemas-microsoft-com:vml" xmlns:pvml="urn:schemas-microsoft-com:office:powerpoint" xmlns:com="http://schemas.openxmlformats.org/drawingml/2006/compatibility" xmlns:p14="http://schemas.microsoft.com/office/powerpoint/2010/main" xmlns:p15="http://schemas.microsoft.com/office/powerpoint/2012/main" xmlns:ahyp="http://schemas.microsoft.com/office/drawing/2018/hyperlinkcolor">
   <p:cSld>
     <p:spTree>
       <p:nvGrpSpPr>
-        <p:cNvPr id="156" name="Shape 156"/>
+        <p:cNvPr id="177" name="Shape 177"/>
         <p:cNvGrpSpPr/>
         <p:nvPr/>
       </p:nvGrpSpPr>
@@ -9840,7 +9754,7 @@
       </p:grpSpPr>
       <p:sp>
         <p:nvSpPr>
-          <p:cNvPr id="157" name="Google Shape;157;p27"/>
+          <p:cNvPr id="178" name="Google Shape;178;p30"/>
           <p:cNvSpPr txBox="1"/>
           <p:nvPr>
             <p:ph type="title"/>
@@ -9880,7 +9794,7 @@
       </p:sp>
       <p:sp>
         <p:nvSpPr>
-          <p:cNvPr id="158" name="Google Shape;158;p27"/>
+          <p:cNvPr id="179" name="Google Shape;179;p30"/>
           <p:cNvSpPr txBox="1"/>
           <p:nvPr>
             <p:ph idx="1" type="body"/>
@@ -10051,12 +9965,30 @@
 </p:sld>
 </file>
 
-<file path=ppt/slides/slide16.xml><?xml version="1.0" encoding="utf-8"?>
+<file path=ppt/slides/slide19.xml><?xml version="1.0" encoding="utf-8"?>
 <p:sld xmlns:a="http://schemas.openxmlformats.org/drawingml/2006/main" xmlns:r="http://schemas.openxmlformats.org/officeDocument/2006/relationships" xmlns:mc="http://schemas.openxmlformats.org/markup-compatibility/2006" xmlns:mv="urn:schemas-microsoft-com:mac:vml" xmlns:p="http://schemas.openxmlformats.org/presentationml/2006/main" xmlns:c="http://schemas.openxmlformats.org/drawingml/2006/chart" xmlns:dgm="http://schemas.openxmlformats.org/drawingml/2006/diagram" xmlns:o="urn:schemas-microsoft-com:office:office" xmlns:v="urn:schemas-microsoft-com:vml" xmlns:pvml="urn:schemas-microsoft-com:office:powerpoint" xmlns:com="http://schemas.openxmlformats.org/drawingml/2006/compatibility" xmlns:p14="http://schemas.microsoft.com/office/powerpoint/2010/main" xmlns:p15="http://schemas.microsoft.com/office/powerpoint/2012/main" xmlns:ahyp="http://schemas.microsoft.com/office/drawing/2018/hyperlinkcolor">
   <p:cSld>
+    <p:bg>
+      <p:bgPr>
+        <a:gradFill>
+          <a:gsLst>
+            <a:gs pos="0">
+              <a:srgbClr val="DFE9FB"/>
+            </a:gs>
+            <a:gs pos="100000">
+              <a:srgbClr val="6E9BE7"/>
+            </a:gs>
+          </a:gsLst>
+          <a:path path="circle">
+            <a:fillToRect b="50%" l="50%" r="50%" t="50%"/>
+          </a:path>
+          <a:tileRect/>
+        </a:gradFill>
+      </p:bgPr>
+    </p:bg>
     <p:spTree>
       <p:nvGrpSpPr>
-        <p:cNvPr id="162" name="Shape 162"/>
+        <p:cNvPr id="183" name="Shape 183"/>
         <p:cNvGrpSpPr/>
         <p:nvPr/>
       </p:nvGrpSpPr>
@@ -10070,7 +10002,7 @@
       </p:grpSpPr>
       <p:sp>
         <p:nvSpPr>
-          <p:cNvPr id="163" name="Google Shape;163;p28"/>
+          <p:cNvPr id="184" name="Google Shape;184;p31"/>
           <p:cNvSpPr txBox="1"/>
           <p:nvPr>
             <p:ph type="title"/>
@@ -10110,7 +10042,7 @@
       </p:sp>
       <p:sp>
         <p:nvSpPr>
-          <p:cNvPr id="164" name="Google Shape;164;p28"/>
+          <p:cNvPr id="185" name="Google Shape;185;p31"/>
           <p:cNvSpPr txBox="1"/>
           <p:nvPr>
             <p:ph idx="1" type="body"/>
@@ -10143,11 +10075,8 @@
             <a:r>
               <a:rPr b="1" lang="en" sz="1200">
                 <a:solidFill>
-                  <a:srgbClr val="333333"/>
-                </a:solidFill>
-                <a:highlight>
-                  <a:srgbClr val="FFFFFF"/>
-                </a:highlight>
+                  <a:srgbClr val="212121"/>
+                </a:solidFill>
                 <a:latin typeface="Arial"/>
                 <a:ea typeface="Arial"/>
                 <a:cs typeface="Arial"/>
@@ -10158,11 +10087,8 @@
             <a:r>
               <a:rPr lang="en" sz="1200">
                 <a:solidFill>
-                  <a:srgbClr val="333333"/>
-                </a:solidFill>
-                <a:highlight>
-                  <a:srgbClr val="FFFFFF"/>
-                </a:highlight>
+                  <a:srgbClr val="212121"/>
+                </a:solidFill>
                 <a:latin typeface="Arial"/>
                 <a:ea typeface="Arial"/>
                 <a:cs typeface="Arial"/>
@@ -10172,11 +10098,8 @@
             </a:r>
             <a:endParaRPr sz="1200">
               <a:solidFill>
-                <a:srgbClr val="333333"/>
+                <a:srgbClr val="212121"/>
               </a:solidFill>
-              <a:highlight>
-                <a:srgbClr val="FFFFFF"/>
-              </a:highlight>
               <a:latin typeface="Arial"/>
               <a:ea typeface="Arial"/>
               <a:cs typeface="Arial"/>
@@ -10198,11 +10121,8 @@
             </a:r>
             <a:endParaRPr b="1" sz="1200">
               <a:solidFill>
-                <a:srgbClr val="333333"/>
+                <a:srgbClr val="212121"/>
               </a:solidFill>
-              <a:highlight>
-                <a:srgbClr val="FFFFFF"/>
-              </a:highlight>
               <a:latin typeface="Arial"/>
               <a:ea typeface="Arial"/>
               <a:cs typeface="Arial"/>
@@ -10222,11 +10142,8 @@
             <a:r>
               <a:rPr b="1" lang="en" sz="1200">
                 <a:solidFill>
-                  <a:srgbClr val="333333"/>
-                </a:solidFill>
-                <a:highlight>
-                  <a:srgbClr val="FFFFFF"/>
-                </a:highlight>
+                  <a:srgbClr val="212121"/>
+                </a:solidFill>
                 <a:latin typeface="Arial"/>
                 <a:ea typeface="Arial"/>
                 <a:cs typeface="Arial"/>
@@ -10237,11 +10154,8 @@
             <a:r>
               <a:rPr lang="en" sz="1200">
                 <a:solidFill>
-                  <a:srgbClr val="333333"/>
-                </a:solidFill>
-                <a:highlight>
-                  <a:srgbClr val="FFFFFF"/>
-                </a:highlight>
+                  <a:srgbClr val="212121"/>
+                </a:solidFill>
                 <a:latin typeface="Arial"/>
                 <a:ea typeface="Arial"/>
                 <a:cs typeface="Arial"/>
@@ -10252,11 +10166,8 @@
             <a:r>
               <a:rPr lang="en" sz="1200">
                 <a:solidFill>
-                  <a:srgbClr val="333333"/>
-                </a:solidFill>
-                <a:highlight>
-                  <a:srgbClr val="FFFFFF"/>
-                </a:highlight>
+                  <a:srgbClr val="212121"/>
+                </a:solidFill>
                 <a:latin typeface="Arial"/>
                 <a:ea typeface="Arial"/>
                 <a:cs typeface="Arial"/>
@@ -10267,11 +10178,8 @@
             <a:r>
               <a:rPr lang="en" sz="1200">
                 <a:solidFill>
-                  <a:srgbClr val="333333"/>
-                </a:solidFill>
-                <a:highlight>
-                  <a:srgbClr val="FFFFFF"/>
-                </a:highlight>
+                  <a:srgbClr val="212121"/>
+                </a:solidFill>
                 <a:latin typeface="Arial"/>
                 <a:ea typeface="Arial"/>
                 <a:cs typeface="Arial"/>
@@ -10281,11 +10189,8 @@
             </a:r>
             <a:endParaRPr sz="1200">
               <a:solidFill>
-                <a:srgbClr val="333333"/>
+                <a:srgbClr val="212121"/>
               </a:solidFill>
-              <a:highlight>
-                <a:srgbClr val="FFFFFF"/>
-              </a:highlight>
               <a:latin typeface="Arial"/>
               <a:ea typeface="Arial"/>
               <a:cs typeface="Arial"/>
@@ -10307,11 +10212,8 @@
             </a:r>
             <a:endParaRPr b="1" sz="1200">
               <a:solidFill>
-                <a:srgbClr val="333333"/>
+                <a:srgbClr val="212121"/>
               </a:solidFill>
-              <a:highlight>
-                <a:srgbClr val="FFFFFF"/>
-              </a:highlight>
               <a:latin typeface="Arial"/>
               <a:ea typeface="Arial"/>
               <a:cs typeface="Arial"/>
@@ -10331,11 +10233,8 @@
             <a:r>
               <a:rPr b="1" lang="en" sz="1200">
                 <a:solidFill>
-                  <a:srgbClr val="333333"/>
-                </a:solidFill>
-                <a:highlight>
-                  <a:srgbClr val="FFFFFF"/>
-                </a:highlight>
+                  <a:srgbClr val="212121"/>
+                </a:solidFill>
                 <a:latin typeface="Arial"/>
                 <a:ea typeface="Arial"/>
                 <a:cs typeface="Arial"/>
@@ -10346,11 +10245,8 @@
             <a:r>
               <a:rPr lang="en" sz="1200">
                 <a:solidFill>
-                  <a:srgbClr val="333333"/>
-                </a:solidFill>
-                <a:highlight>
-                  <a:srgbClr val="FFFFFF"/>
-                </a:highlight>
+                  <a:srgbClr val="212121"/>
+                </a:solidFill>
                 <a:latin typeface="Arial"/>
                 <a:ea typeface="Arial"/>
                 <a:cs typeface="Arial"/>
@@ -10360,11 +10256,8 @@
             </a:r>
             <a:endParaRPr sz="1200">
               <a:solidFill>
-                <a:srgbClr val="333333"/>
+                <a:srgbClr val="212121"/>
               </a:solidFill>
-              <a:highlight>
-                <a:srgbClr val="FFFFFF"/>
-              </a:highlight>
               <a:latin typeface="Arial"/>
               <a:ea typeface="Arial"/>
               <a:cs typeface="Arial"/>
@@ -10386,11 +10279,8 @@
             </a:r>
             <a:endParaRPr b="1" sz="1200">
               <a:solidFill>
-                <a:srgbClr val="333333"/>
+                <a:srgbClr val="212121"/>
               </a:solidFill>
-              <a:highlight>
-                <a:srgbClr val="FFFFFF"/>
-              </a:highlight>
               <a:latin typeface="Arial"/>
               <a:ea typeface="Arial"/>
               <a:cs typeface="Arial"/>
@@ -10412,11 +10302,8 @@
             </a:r>
             <a:endParaRPr b="1" sz="1200">
               <a:solidFill>
-                <a:srgbClr val="333333"/>
+                <a:srgbClr val="212121"/>
               </a:solidFill>
-              <a:highlight>
-                <a:srgbClr val="FFFFFF"/>
-              </a:highlight>
               <a:latin typeface="Arial"/>
               <a:ea typeface="Arial"/>
               <a:cs typeface="Arial"/>
@@ -10436,7 +10323,11 @@
             <a:r>
               <a:t/>
             </a:r>
-            <a:endParaRPr/>
+            <a:endParaRPr>
+              <a:solidFill>
+                <a:srgbClr val="212121"/>
+              </a:solidFill>
+            </a:endParaRPr>
           </a:p>
         </p:txBody>
       </p:sp>
@@ -10457,820 +10348,6 @@
       </p:transition>
     </mc:Fallback>
   </mc:AlternateContent>
-</p:sld>
-</file>
-
-<file path=ppt/slides/slide17.xml><?xml version="1.0" encoding="utf-8"?>
-<p:sld xmlns:a="http://schemas.openxmlformats.org/drawingml/2006/main" xmlns:r="http://schemas.openxmlformats.org/officeDocument/2006/relationships" xmlns:mc="http://schemas.openxmlformats.org/markup-compatibility/2006" xmlns:mv="urn:schemas-microsoft-com:mac:vml" xmlns:p="http://schemas.openxmlformats.org/presentationml/2006/main" xmlns:c="http://schemas.openxmlformats.org/drawingml/2006/chart" xmlns:dgm="http://schemas.openxmlformats.org/drawingml/2006/diagram" xmlns:o="urn:schemas-microsoft-com:office:office" xmlns:v="urn:schemas-microsoft-com:vml" xmlns:pvml="urn:schemas-microsoft-com:office:powerpoint" xmlns:com="http://schemas.openxmlformats.org/drawingml/2006/compatibility" xmlns:p14="http://schemas.microsoft.com/office/powerpoint/2010/main" xmlns:p15="http://schemas.microsoft.com/office/powerpoint/2012/main" xmlns:ahyp="http://schemas.microsoft.com/office/drawing/2018/hyperlinkcolor">
-  <p:cSld>
-    <p:bg>
-      <p:bgPr>
-        <a:solidFill>
-          <a:srgbClr val="A4C2F4"/>
-        </a:solidFill>
-      </p:bgPr>
-    </p:bg>
-    <p:spTree>
-      <p:nvGrpSpPr>
-        <p:cNvPr id="168" name="Shape 168"/>
-        <p:cNvGrpSpPr/>
-        <p:nvPr/>
-      </p:nvGrpSpPr>
-      <p:grpSpPr>
-        <a:xfrm>
-          <a:off x="0" y="0"/>
-          <a:ext cx="0" cy="0"/>
-          <a:chOff x="0" y="0"/>
-          <a:chExt cx="0" cy="0"/>
-        </a:xfrm>
-      </p:grpSpPr>
-      <p:sp>
-        <p:nvSpPr>
-          <p:cNvPr id="169" name="Google Shape;169;p29"/>
-          <p:cNvSpPr txBox="1"/>
-          <p:nvPr>
-            <p:ph type="title"/>
-          </p:nvPr>
-        </p:nvSpPr>
-        <p:spPr>
-          <a:xfrm>
-            <a:off x="311700" y="445025"/>
-            <a:ext cx="8520600" cy="572700"/>
-          </a:xfrm>
-          <a:prstGeom prst="rect">
-            <a:avLst/>
-          </a:prstGeom>
-        </p:spPr>
-        <p:txBody>
-          <a:bodyPr anchorCtr="0" anchor="t" bIns="91425" lIns="91425" spcFirstLastPara="1" rIns="91425" wrap="square" tIns="91425">
-            <a:normAutofit fontScale="90000"/>
-          </a:bodyPr>
-          <a:lstStyle/>
-          <a:p>
-            <a:pPr indent="0" lvl="0" marL="0" rtl="0" algn="l">
-              <a:spcBef>
-                <a:spcPts val="0"/>
-              </a:spcBef>
-              <a:spcAft>
-                <a:spcPts val="0"/>
-              </a:spcAft>
-              <a:buNone/>
-            </a:pPr>
-            <a:r>
-              <a:rPr lang="en"/>
-              <a:t>Referance</a:t>
-            </a:r>
-            <a:endParaRPr/>
-          </a:p>
-        </p:txBody>
-      </p:sp>
-      <p:sp>
-        <p:nvSpPr>
-          <p:cNvPr id="170" name="Google Shape;170;p29"/>
-          <p:cNvSpPr txBox="1"/>
-          <p:nvPr>
-            <p:ph idx="1" type="body"/>
-          </p:nvPr>
-        </p:nvSpPr>
-        <p:spPr>
-          <a:xfrm>
-            <a:off x="311700" y="1152475"/>
-            <a:ext cx="8520600" cy="3416400"/>
-          </a:xfrm>
-          <a:prstGeom prst="rect">
-            <a:avLst/>
-          </a:prstGeom>
-        </p:spPr>
-        <p:txBody>
-          <a:bodyPr anchorCtr="0" anchor="t" bIns="91425" lIns="91425" spcFirstLastPara="1" rIns="91425" wrap="square" tIns="91425">
-            <a:normAutofit/>
-          </a:bodyPr>
-          <a:lstStyle/>
-          <a:p>
-            <a:pPr indent="0" lvl="0" marL="0" rtl="0" algn="l">
-              <a:spcBef>
-                <a:spcPts val="0"/>
-              </a:spcBef>
-              <a:spcAft>
-                <a:spcPts val="1200"/>
-              </a:spcAft>
-              <a:buNone/>
-            </a:pPr>
-            <a:r>
-              <a:rPr lang="en"/>
-              <a:t>[1]</a:t>
-            </a:r>
-            <a:r>
-              <a:rPr b="1" lang="en" sz="1200">
-                <a:highlight>
-                  <a:srgbClr val="FFFFFF"/>
-                </a:highlight>
-                <a:latin typeface="Arial"/>
-                <a:ea typeface="Arial"/>
-                <a:cs typeface="Arial"/>
-                <a:sym typeface="Arial"/>
-              </a:rPr>
-              <a:t> https://github.com/rrambhia22/ResumeClassification_Parser</a:t>
-            </a:r>
-            <a:endParaRPr b="1" sz="1200">
-              <a:solidFill>
-                <a:srgbClr val="333333"/>
-              </a:solidFill>
-              <a:highlight>
-                <a:srgbClr val="FFFFFF"/>
-              </a:highlight>
-              <a:latin typeface="Arial"/>
-              <a:ea typeface="Arial"/>
-              <a:cs typeface="Arial"/>
-              <a:sym typeface="Arial"/>
-            </a:endParaRPr>
-          </a:p>
-        </p:txBody>
-      </p:sp>
-    </p:spTree>
-  </p:cSld>
-  <p:clrMapOvr>
-    <a:masterClrMapping/>
-  </p:clrMapOvr>
-</p:sld>
-</file>
-
-<file path=ppt/slides/slide18.xml><?xml version="1.0" encoding="utf-8"?>
-<p:sld xmlns:a="http://schemas.openxmlformats.org/drawingml/2006/main" xmlns:r="http://schemas.openxmlformats.org/officeDocument/2006/relationships" xmlns:mc="http://schemas.openxmlformats.org/markup-compatibility/2006" xmlns:mv="urn:schemas-microsoft-com:mac:vml" xmlns:p="http://schemas.openxmlformats.org/presentationml/2006/main" xmlns:c="http://schemas.openxmlformats.org/drawingml/2006/chart" xmlns:dgm="http://schemas.openxmlformats.org/drawingml/2006/diagram" xmlns:o="urn:schemas-microsoft-com:office:office" xmlns:v="urn:schemas-microsoft-com:vml" xmlns:pvml="urn:schemas-microsoft-com:office:powerpoint" xmlns:com="http://schemas.openxmlformats.org/drawingml/2006/compatibility" xmlns:p14="http://schemas.microsoft.com/office/powerpoint/2010/main" xmlns:p15="http://schemas.microsoft.com/office/powerpoint/2012/main" xmlns:ahyp="http://schemas.microsoft.com/office/drawing/2018/hyperlinkcolor">
-  <p:cSld>
-    <p:spTree>
-      <p:nvGrpSpPr>
-        <p:cNvPr id="174" name="Shape 174"/>
-        <p:cNvGrpSpPr/>
-        <p:nvPr/>
-      </p:nvGrpSpPr>
-      <p:grpSpPr>
-        <a:xfrm>
-          <a:off x="0" y="0"/>
-          <a:ext cx="0" cy="0"/>
-          <a:chOff x="0" y="0"/>
-          <a:chExt cx="0" cy="0"/>
-        </a:xfrm>
-      </p:grpSpPr>
-      <p:sp>
-        <p:nvSpPr>
-          <p:cNvPr id="175" name="Google Shape;175;p30"/>
-          <p:cNvSpPr txBox="1"/>
-          <p:nvPr>
-            <p:ph idx="1" type="body"/>
-          </p:nvPr>
-        </p:nvSpPr>
-        <p:spPr>
-          <a:xfrm>
-            <a:off x="311700" y="58725"/>
-            <a:ext cx="8520600" cy="4510200"/>
-          </a:xfrm>
-          <a:prstGeom prst="rect">
-            <a:avLst/>
-          </a:prstGeom>
-        </p:spPr>
-        <p:txBody>
-          <a:bodyPr anchorCtr="0" anchor="t" bIns="91425" lIns="91425" spcFirstLastPara="1" rIns="91425" wrap="square" tIns="91425">
-            <a:normAutofit/>
-          </a:bodyPr>
-          <a:lstStyle/>
-          <a:p>
-            <a:pPr indent="0" lvl="0" marL="0" rtl="0" algn="ctr">
-              <a:spcBef>
-                <a:spcPts val="0"/>
-              </a:spcBef>
-              <a:spcAft>
-                <a:spcPts val="0"/>
-              </a:spcAft>
-              <a:buNone/>
-            </a:pPr>
-            <a:r>
-              <a:rPr lang="en" sz="2600">
-                <a:solidFill>
-                  <a:srgbClr val="333333"/>
-                </a:solidFill>
-                <a:highlight>
-                  <a:srgbClr val="FFFFFF"/>
-                </a:highlight>
-                <a:latin typeface="Arial"/>
-                <a:ea typeface="Arial"/>
-                <a:cs typeface="Arial"/>
-                <a:sym typeface="Arial"/>
-              </a:rPr>
-              <a:t>Thank you for you time</a:t>
-            </a:r>
-            <a:endParaRPr sz="2600">
-              <a:solidFill>
-                <a:srgbClr val="333333"/>
-              </a:solidFill>
-              <a:highlight>
-                <a:srgbClr val="FFFFFF"/>
-              </a:highlight>
-              <a:latin typeface="Arial"/>
-              <a:ea typeface="Arial"/>
-              <a:cs typeface="Arial"/>
-              <a:sym typeface="Arial"/>
-            </a:endParaRPr>
-          </a:p>
-          <a:p>
-            <a:pPr indent="0" lvl="0" marL="0" rtl="0" algn="ctr">
-              <a:spcBef>
-                <a:spcPts val="1200"/>
-              </a:spcBef>
-              <a:spcAft>
-                <a:spcPts val="0"/>
-              </a:spcAft>
-              <a:buNone/>
-            </a:pPr>
-            <a:r>
-              <a:rPr lang="en" sz="2600">
-                <a:solidFill>
-                  <a:srgbClr val="333333"/>
-                </a:solidFill>
-                <a:highlight>
-                  <a:srgbClr val="FFFFFF"/>
-                </a:highlight>
-                <a:latin typeface="Arial"/>
-                <a:ea typeface="Arial"/>
-                <a:cs typeface="Arial"/>
-                <a:sym typeface="Arial"/>
-              </a:rPr>
-              <a:t>Questions? Please feel free to contact</a:t>
-            </a:r>
-            <a:endParaRPr sz="2600">
-              <a:solidFill>
-                <a:srgbClr val="333333"/>
-              </a:solidFill>
-              <a:highlight>
-                <a:srgbClr val="FFFFFF"/>
-              </a:highlight>
-              <a:latin typeface="Arial"/>
-              <a:ea typeface="Arial"/>
-              <a:cs typeface="Arial"/>
-              <a:sym typeface="Arial"/>
-            </a:endParaRPr>
-          </a:p>
-          <a:p>
-            <a:pPr indent="0" lvl="0" marL="0" rtl="0" algn="ctr">
-              <a:spcBef>
-                <a:spcPts val="1200"/>
-              </a:spcBef>
-              <a:spcAft>
-                <a:spcPts val="0"/>
-              </a:spcAft>
-              <a:buNone/>
-            </a:pPr>
-            <a:r>
-              <a:rPr lang="en" sz="1400">
-                <a:solidFill>
-                  <a:srgbClr val="333333"/>
-                </a:solidFill>
-                <a:highlight>
-                  <a:srgbClr val="FFFFFF"/>
-                </a:highlight>
-                <a:latin typeface="Arial"/>
-                <a:ea typeface="Arial"/>
-                <a:cs typeface="Arial"/>
-                <a:sym typeface="Arial"/>
-              </a:rPr>
-              <a:t>Dallas Diaz: </a:t>
-            </a:r>
-            <a:r>
-              <a:rPr lang="en" sz="1400" u="sng">
-                <a:solidFill>
-                  <a:schemeClr val="hlink"/>
-                </a:solidFill>
-                <a:highlight>
-                  <a:srgbClr val="FFFFFF"/>
-                </a:highlight>
-                <a:latin typeface="Arial"/>
-                <a:ea typeface="Arial"/>
-                <a:cs typeface="Arial"/>
-                <a:sym typeface="Arial"/>
-                <a:hlinkClick r:id="rId3"/>
-              </a:rPr>
-              <a:t>ddmnh@umsystem.edu</a:t>
-            </a:r>
-            <a:endParaRPr sz="1400">
-              <a:solidFill>
-                <a:srgbClr val="333333"/>
-              </a:solidFill>
-              <a:highlight>
-                <a:srgbClr val="FFFFFF"/>
-              </a:highlight>
-              <a:latin typeface="Arial"/>
-              <a:ea typeface="Arial"/>
-              <a:cs typeface="Arial"/>
-              <a:sym typeface="Arial"/>
-            </a:endParaRPr>
-          </a:p>
-          <a:p>
-            <a:pPr indent="0" lvl="0" marL="0" rtl="0" algn="ctr">
-              <a:spcBef>
-                <a:spcPts val="1200"/>
-              </a:spcBef>
-              <a:spcAft>
-                <a:spcPts val="0"/>
-              </a:spcAft>
-              <a:buNone/>
-            </a:pPr>
-            <a:r>
-              <a:rPr lang="en" sz="1400">
-                <a:solidFill>
-                  <a:srgbClr val="333333"/>
-                </a:solidFill>
-                <a:highlight>
-                  <a:srgbClr val="FFFFFF"/>
-                </a:highlight>
-                <a:latin typeface="Arial"/>
-                <a:ea typeface="Arial"/>
-                <a:cs typeface="Arial"/>
-                <a:sym typeface="Arial"/>
-              </a:rPr>
-              <a:t>Muhammad Tayyab : </a:t>
-            </a:r>
-            <a:r>
-              <a:rPr lang="en" sz="1400" u="sng">
-                <a:solidFill>
-                  <a:schemeClr val="hlink"/>
-                </a:solidFill>
-                <a:highlight>
-                  <a:srgbClr val="FFFFFF"/>
-                </a:highlight>
-                <a:latin typeface="Arial"/>
-                <a:ea typeface="Arial"/>
-                <a:cs typeface="Arial"/>
-                <a:sym typeface="Arial"/>
-                <a:hlinkClick r:id="rId4"/>
-              </a:rPr>
-              <a:t>mt56w@umsystem.edu</a:t>
-            </a:r>
-            <a:endParaRPr sz="1400">
-              <a:solidFill>
-                <a:srgbClr val="333333"/>
-              </a:solidFill>
-              <a:highlight>
-                <a:srgbClr val="FFFFFF"/>
-              </a:highlight>
-              <a:latin typeface="Arial"/>
-              <a:ea typeface="Arial"/>
-              <a:cs typeface="Arial"/>
-              <a:sym typeface="Arial"/>
-            </a:endParaRPr>
-          </a:p>
-          <a:p>
-            <a:pPr indent="0" lvl="0" marL="0" rtl="0" algn="ctr">
-              <a:spcBef>
-                <a:spcPts val="1200"/>
-              </a:spcBef>
-              <a:spcAft>
-                <a:spcPts val="0"/>
-              </a:spcAft>
-              <a:buNone/>
-            </a:pPr>
-            <a:r>
-              <a:rPr lang="en" sz="1400">
-                <a:solidFill>
-                  <a:srgbClr val="333333"/>
-                </a:solidFill>
-                <a:highlight>
-                  <a:srgbClr val="FFFFFF"/>
-                </a:highlight>
-                <a:latin typeface="Arial"/>
-                <a:ea typeface="Arial"/>
-                <a:cs typeface="Arial"/>
-                <a:sym typeface="Arial"/>
-              </a:rPr>
-              <a:t>Ramya Thambabattula: </a:t>
-            </a:r>
-            <a:r>
-              <a:rPr lang="en" sz="1400" u="sng">
-                <a:solidFill>
-                  <a:schemeClr val="hlink"/>
-                </a:solidFill>
-                <a:highlight>
-                  <a:srgbClr val="FFFFFF"/>
-                </a:highlight>
-                <a:latin typeface="Arial"/>
-                <a:ea typeface="Arial"/>
-                <a:cs typeface="Arial"/>
-                <a:sym typeface="Arial"/>
-                <a:hlinkClick r:id="rId5"/>
-              </a:rPr>
-              <a:t>tramyakumari.22s@gmail.com</a:t>
-            </a:r>
-            <a:r>
-              <a:rPr lang="en" sz="1400">
-                <a:solidFill>
-                  <a:srgbClr val="333333"/>
-                </a:solidFill>
-                <a:highlight>
-                  <a:srgbClr val="FFFFFF"/>
-                </a:highlight>
-                <a:latin typeface="Arial"/>
-                <a:ea typeface="Arial"/>
-                <a:cs typeface="Arial"/>
-                <a:sym typeface="Arial"/>
-              </a:rPr>
-              <a:t> </a:t>
-            </a:r>
-            <a:endParaRPr sz="1400">
-              <a:solidFill>
-                <a:srgbClr val="333333"/>
-              </a:solidFill>
-              <a:highlight>
-                <a:srgbClr val="FFFFFF"/>
-              </a:highlight>
-              <a:latin typeface="Arial"/>
-              <a:ea typeface="Arial"/>
-              <a:cs typeface="Arial"/>
-              <a:sym typeface="Arial"/>
-            </a:endParaRPr>
-          </a:p>
-          <a:p>
-            <a:pPr indent="0" lvl="0" marL="0" rtl="0" algn="ctr">
-              <a:spcBef>
-                <a:spcPts val="1200"/>
-              </a:spcBef>
-              <a:spcAft>
-                <a:spcPts val="0"/>
-              </a:spcAft>
-              <a:buNone/>
-            </a:pPr>
-            <a:r>
-              <a:rPr lang="en" sz="1400">
-                <a:solidFill>
-                  <a:srgbClr val="333333"/>
-                </a:solidFill>
-                <a:highlight>
-                  <a:srgbClr val="FFFFFF"/>
-                </a:highlight>
-                <a:latin typeface="Arial"/>
-                <a:ea typeface="Arial"/>
-                <a:cs typeface="Arial"/>
-                <a:sym typeface="Arial"/>
-              </a:rPr>
-              <a:t>Arslan: </a:t>
-            </a:r>
-            <a:endParaRPr sz="1400">
-              <a:solidFill>
-                <a:srgbClr val="333333"/>
-              </a:solidFill>
-              <a:highlight>
-                <a:srgbClr val="FFFFFF"/>
-              </a:highlight>
-              <a:latin typeface="Arial"/>
-              <a:ea typeface="Arial"/>
-              <a:cs typeface="Arial"/>
-              <a:sym typeface="Arial"/>
-            </a:endParaRPr>
-          </a:p>
-          <a:p>
-            <a:pPr indent="0" lvl="0" marL="0" rtl="0" algn="ctr">
-              <a:spcBef>
-                <a:spcPts val="1200"/>
-              </a:spcBef>
-              <a:spcAft>
-                <a:spcPts val="0"/>
-              </a:spcAft>
-              <a:buNone/>
-            </a:pPr>
-            <a:r>
-              <a:t/>
-            </a:r>
-            <a:endParaRPr sz="1400">
-              <a:solidFill>
-                <a:srgbClr val="333333"/>
-              </a:solidFill>
-              <a:highlight>
-                <a:srgbClr val="FFFFFF"/>
-              </a:highlight>
-              <a:latin typeface="Arial"/>
-              <a:ea typeface="Arial"/>
-              <a:cs typeface="Arial"/>
-              <a:sym typeface="Arial"/>
-            </a:endParaRPr>
-          </a:p>
-          <a:p>
-            <a:pPr indent="0" lvl="0" marL="0" rtl="0" algn="ctr">
-              <a:spcBef>
-                <a:spcPts val="1200"/>
-              </a:spcBef>
-              <a:spcAft>
-                <a:spcPts val="1200"/>
-              </a:spcAft>
-              <a:buNone/>
-            </a:pPr>
-            <a:r>
-              <a:rPr lang="en" sz="1400">
-                <a:solidFill>
-                  <a:srgbClr val="333333"/>
-                </a:solidFill>
-                <a:highlight>
-                  <a:srgbClr val="FFFFFF"/>
-                </a:highlight>
-                <a:latin typeface="Arial"/>
-                <a:ea typeface="Arial"/>
-                <a:cs typeface="Arial"/>
-                <a:sym typeface="Arial"/>
-              </a:rPr>
-              <a:t>(please put your emails)</a:t>
-            </a:r>
-            <a:endParaRPr sz="1400">
-              <a:solidFill>
-                <a:srgbClr val="333333"/>
-              </a:solidFill>
-              <a:highlight>
-                <a:srgbClr val="FFFFFF"/>
-              </a:highlight>
-              <a:latin typeface="Arial"/>
-              <a:ea typeface="Arial"/>
-              <a:cs typeface="Arial"/>
-              <a:sym typeface="Arial"/>
-            </a:endParaRPr>
-          </a:p>
-        </p:txBody>
-      </p:sp>
-    </p:spTree>
-  </p:cSld>
-  <p:clrMapOvr>
-    <a:masterClrMapping/>
-  </p:clrMapOvr>
-</p:sld>
-</file>
-
-<file path=ppt/slides/slide19.xml><?xml version="1.0" encoding="utf-8"?>
-<p:sld xmlns:a="http://schemas.openxmlformats.org/drawingml/2006/main" xmlns:r="http://schemas.openxmlformats.org/officeDocument/2006/relationships" xmlns:mc="http://schemas.openxmlformats.org/markup-compatibility/2006" xmlns:mv="urn:schemas-microsoft-com:mac:vml" xmlns:p="http://schemas.openxmlformats.org/presentationml/2006/main" xmlns:c="http://schemas.openxmlformats.org/drawingml/2006/chart" xmlns:dgm="http://schemas.openxmlformats.org/drawingml/2006/diagram" xmlns:o="urn:schemas-microsoft-com:office:office" xmlns:v="urn:schemas-microsoft-com:vml" xmlns:pvml="urn:schemas-microsoft-com:office:powerpoint" xmlns:com="http://schemas.openxmlformats.org/drawingml/2006/compatibility" xmlns:p14="http://schemas.microsoft.com/office/powerpoint/2010/main" xmlns:p15="http://schemas.microsoft.com/office/powerpoint/2012/main" xmlns:ahyp="http://schemas.microsoft.com/office/drawing/2018/hyperlinkcolor">
-  <p:cSld>
-    <p:spTree>
-      <p:nvGrpSpPr>
-        <p:cNvPr id="179" name="Shape 179"/>
-        <p:cNvGrpSpPr/>
-        <p:nvPr/>
-      </p:nvGrpSpPr>
-      <p:grpSpPr>
-        <a:xfrm>
-          <a:off x="0" y="0"/>
-          <a:ext cx="0" cy="0"/>
-          <a:chOff x="0" y="0"/>
-          <a:chExt cx="0" cy="0"/>
-        </a:xfrm>
-      </p:grpSpPr>
-      <p:sp>
-        <p:nvSpPr>
-          <p:cNvPr id="180" name="Google Shape;180;p31"/>
-          <p:cNvSpPr txBox="1"/>
-          <p:nvPr>
-            <p:ph type="title"/>
-          </p:nvPr>
-        </p:nvSpPr>
-        <p:spPr>
-          <a:xfrm>
-            <a:off x="311700" y="445025"/>
-            <a:ext cx="8520600" cy="572700"/>
-          </a:xfrm>
-          <a:prstGeom prst="rect">
-            <a:avLst/>
-          </a:prstGeom>
-        </p:spPr>
-        <p:txBody>
-          <a:bodyPr anchorCtr="0" anchor="t" bIns="91425" lIns="91425" spcFirstLastPara="1" rIns="91425" wrap="square" tIns="91425">
-            <a:normAutofit fontScale="90000"/>
-          </a:bodyPr>
-          <a:lstStyle/>
-          <a:p>
-            <a:pPr indent="0" lvl="0" marL="0" rtl="0" algn="l">
-              <a:spcBef>
-                <a:spcPts val="0"/>
-              </a:spcBef>
-              <a:spcAft>
-                <a:spcPts val="0"/>
-              </a:spcAft>
-              <a:buNone/>
-            </a:pPr>
-            <a:r>
-              <a:t/>
-            </a:r>
-            <a:endParaRPr/>
-          </a:p>
-        </p:txBody>
-      </p:sp>
-      <p:sp>
-        <p:nvSpPr>
-          <p:cNvPr id="181" name="Google Shape;181;p31"/>
-          <p:cNvSpPr txBox="1"/>
-          <p:nvPr>
-            <p:ph idx="1" type="body"/>
-          </p:nvPr>
-        </p:nvSpPr>
-        <p:spPr>
-          <a:xfrm>
-            <a:off x="311700" y="1152475"/>
-            <a:ext cx="8520600" cy="3416400"/>
-          </a:xfrm>
-          <a:prstGeom prst="rect">
-            <a:avLst/>
-          </a:prstGeom>
-        </p:spPr>
-        <p:txBody>
-          <a:bodyPr anchorCtr="0" anchor="t" bIns="91425" lIns="91425" spcFirstLastPara="1" rIns="91425" wrap="square" tIns="91425">
-            <a:normAutofit/>
-          </a:bodyPr>
-          <a:lstStyle/>
-          <a:p>
-            <a:pPr indent="-304800" lvl="0" marL="698500" rtl="0" algn="l">
-              <a:spcBef>
-                <a:spcPts val="0"/>
-              </a:spcBef>
-              <a:spcAft>
-                <a:spcPts val="0"/>
-              </a:spcAft>
-              <a:buClr>
-                <a:srgbClr val="333333"/>
-              </a:buClr>
-              <a:buSzPts val="1200"/>
-              <a:buFont typeface="Arial"/>
-              <a:buAutoNum type="arabicPeriod"/>
-            </a:pPr>
-            <a:r>
-              <a:rPr b="1" lang="en" sz="1200">
-                <a:solidFill>
-                  <a:srgbClr val="333333"/>
-                </a:solidFill>
-                <a:highlight>
-                  <a:srgbClr val="FFFFFF"/>
-                </a:highlight>
-                <a:latin typeface="Arial"/>
-                <a:ea typeface="Arial"/>
-                <a:cs typeface="Arial"/>
-                <a:sym typeface="Arial"/>
-              </a:rPr>
-              <a:t>Project Repository Slide:</a:t>
-            </a:r>
-            <a:endParaRPr b="1" sz="1200">
-              <a:solidFill>
-                <a:srgbClr val="333333"/>
-              </a:solidFill>
-              <a:highlight>
-                <a:srgbClr val="FFFFFF"/>
-              </a:highlight>
-              <a:latin typeface="Arial"/>
-              <a:ea typeface="Arial"/>
-              <a:cs typeface="Arial"/>
-              <a:sym typeface="Arial"/>
-            </a:endParaRPr>
-          </a:p>
-          <a:p>
-            <a:pPr indent="-304800" lvl="1" marL="1397000" rtl="0" algn="l">
-              <a:spcBef>
-                <a:spcPts val="0"/>
-              </a:spcBef>
-              <a:spcAft>
-                <a:spcPts val="0"/>
-              </a:spcAft>
-              <a:buClr>
-                <a:srgbClr val="333333"/>
-              </a:buClr>
-              <a:buSzPts val="1200"/>
-              <a:buFont typeface="Arial"/>
-              <a:buChar char="○"/>
-            </a:pPr>
-            <a:r>
-              <a:rPr lang="en" sz="1200">
-                <a:solidFill>
-                  <a:srgbClr val="333333"/>
-                </a:solidFill>
-                <a:highlight>
-                  <a:srgbClr val="FFFFFF"/>
-                </a:highlight>
-                <a:latin typeface="Arial"/>
-                <a:ea typeface="Arial"/>
-                <a:cs typeface="Arial"/>
-                <a:sym typeface="Arial"/>
-              </a:rPr>
-              <a:t>A slide dedicated to the project repository</a:t>
-            </a:r>
-            <a:endParaRPr sz="1200">
-              <a:solidFill>
-                <a:srgbClr val="333333"/>
-              </a:solidFill>
-              <a:highlight>
-                <a:srgbClr val="FFFFFF"/>
-              </a:highlight>
-              <a:latin typeface="Arial"/>
-              <a:ea typeface="Arial"/>
-              <a:cs typeface="Arial"/>
-              <a:sym typeface="Arial"/>
-            </a:endParaRPr>
-          </a:p>
-          <a:p>
-            <a:pPr indent="-304800" lvl="1" marL="1397000" rtl="0" algn="l">
-              <a:spcBef>
-                <a:spcPts val="0"/>
-              </a:spcBef>
-              <a:spcAft>
-                <a:spcPts val="0"/>
-              </a:spcAft>
-              <a:buClr>
-                <a:srgbClr val="333333"/>
-              </a:buClr>
-              <a:buSzPts val="1200"/>
-              <a:buFont typeface="Arial"/>
-              <a:buChar char="○"/>
-            </a:pPr>
-            <a:r>
-              <a:rPr lang="en" sz="1200">
-                <a:solidFill>
-                  <a:srgbClr val="333333"/>
-                </a:solidFill>
-                <a:highlight>
-                  <a:srgbClr val="FFFFFF"/>
-                </a:highlight>
-                <a:latin typeface="Arial"/>
-                <a:ea typeface="Arial"/>
-                <a:cs typeface="Arial"/>
-                <a:sym typeface="Arial"/>
-              </a:rPr>
-              <a:t>URL to the Project GitHub repository</a:t>
-            </a:r>
-            <a:endParaRPr sz="1200">
-              <a:solidFill>
-                <a:srgbClr val="333333"/>
-              </a:solidFill>
-              <a:highlight>
-                <a:srgbClr val="FFFFFF"/>
-              </a:highlight>
-              <a:latin typeface="Arial"/>
-              <a:ea typeface="Arial"/>
-              <a:cs typeface="Arial"/>
-              <a:sym typeface="Arial"/>
-            </a:endParaRPr>
-          </a:p>
-          <a:p>
-            <a:pPr indent="-304800" lvl="1" marL="1397000" rtl="0" algn="l">
-              <a:spcBef>
-                <a:spcPts val="0"/>
-              </a:spcBef>
-              <a:spcAft>
-                <a:spcPts val="0"/>
-              </a:spcAft>
-              <a:buClr>
-                <a:srgbClr val="333333"/>
-              </a:buClr>
-              <a:buSzPts val="1200"/>
-              <a:buFont typeface="Arial"/>
-              <a:buChar char="○"/>
-            </a:pPr>
-            <a:r>
-              <a:rPr lang="en" sz="1200">
-                <a:solidFill>
-                  <a:srgbClr val="333333"/>
-                </a:solidFill>
-                <a:highlight>
-                  <a:srgbClr val="FFFFFF"/>
-                </a:highlight>
-                <a:latin typeface="Arial"/>
-                <a:ea typeface="Arial"/>
-                <a:cs typeface="Arial"/>
-                <a:sym typeface="Arial"/>
-              </a:rPr>
-              <a:t>Contribution points for project maintenance with percentages (e.g., Team Total: 15%)</a:t>
-            </a:r>
-            <a:endParaRPr sz="1200">
-              <a:solidFill>
-                <a:srgbClr val="333333"/>
-              </a:solidFill>
-              <a:highlight>
-                <a:srgbClr val="FFFFFF"/>
-              </a:highlight>
-              <a:latin typeface="Arial"/>
-              <a:ea typeface="Arial"/>
-              <a:cs typeface="Arial"/>
-              <a:sym typeface="Arial"/>
-            </a:endParaRPr>
-          </a:p>
-          <a:p>
-            <a:pPr indent="0" lvl="0" marL="0" rtl="0" algn="l">
-              <a:spcBef>
-                <a:spcPts val="500"/>
-              </a:spcBef>
-              <a:spcAft>
-                <a:spcPts val="1200"/>
-              </a:spcAft>
-              <a:buNone/>
-            </a:pPr>
-            <a:r>
-              <a:t/>
-            </a:r>
-            <a:endParaRPr/>
-          </a:p>
-        </p:txBody>
-      </p:sp>
-    </p:spTree>
-  </p:cSld>
-  <p:clrMapOvr>
-    <a:masterClrMapping/>
-  </p:clrMapOvr>
 </p:sld>
 </file>
 
@@ -11466,9 +10543,16 @@
 <file path=ppt/slides/slide20.xml><?xml version="1.0" encoding="utf-8"?>
 <p:sld xmlns:a="http://schemas.openxmlformats.org/drawingml/2006/main" xmlns:r="http://schemas.openxmlformats.org/officeDocument/2006/relationships" xmlns:mc="http://schemas.openxmlformats.org/markup-compatibility/2006" xmlns:mv="urn:schemas-microsoft-com:mac:vml" xmlns:p="http://schemas.openxmlformats.org/presentationml/2006/main" xmlns:c="http://schemas.openxmlformats.org/drawingml/2006/chart" xmlns:dgm="http://schemas.openxmlformats.org/drawingml/2006/diagram" xmlns:o="urn:schemas-microsoft-com:office:office" xmlns:v="urn:schemas-microsoft-com:vml" xmlns:pvml="urn:schemas-microsoft-com:office:powerpoint" xmlns:com="http://schemas.openxmlformats.org/drawingml/2006/compatibility" xmlns:p14="http://schemas.microsoft.com/office/powerpoint/2010/main" xmlns:p15="http://schemas.microsoft.com/office/powerpoint/2012/main" xmlns:ahyp="http://schemas.microsoft.com/office/drawing/2018/hyperlinkcolor">
   <p:cSld>
+    <p:bg>
+      <p:bgPr>
+        <a:solidFill>
+          <a:srgbClr val="A4C2F4"/>
+        </a:solidFill>
+      </p:bgPr>
+    </p:bg>
     <p:spTree>
       <p:nvGrpSpPr>
-        <p:cNvPr id="185" name="Shape 185"/>
+        <p:cNvPr id="189" name="Shape 189"/>
         <p:cNvGrpSpPr/>
         <p:nvPr/>
       </p:nvGrpSpPr>
@@ -11482,7 +10566,7 @@
       </p:grpSpPr>
       <p:sp>
         <p:nvSpPr>
-          <p:cNvPr id="186" name="Google Shape;186;p32"/>
+          <p:cNvPr id="190" name="Google Shape;190;p32"/>
           <p:cNvSpPr txBox="1"/>
           <p:nvPr>
             <p:ph type="title"/>
@@ -11490,7 +10574,7 @@
         </p:nvSpPr>
         <p:spPr>
           <a:xfrm>
-            <a:off x="311700" y="445025"/>
+            <a:off x="235575" y="455900"/>
             <a:ext cx="8520600" cy="572700"/>
           </a:xfrm>
           <a:prstGeom prst="rect">
@@ -11513,7 +10597,8 @@
               <a:buNone/>
             </a:pPr>
             <a:r>
-              <a:t/>
+              <a:rPr lang="en"/>
+              <a:t>Reference</a:t>
             </a:r>
             <a:endParaRPr/>
           </a:p>
@@ -11521,7 +10606,7 @@
       </p:sp>
       <p:sp>
         <p:nvSpPr>
-          <p:cNvPr id="187" name="Google Shape;187;p32"/>
+          <p:cNvPr id="191" name="Google Shape;191;p32"/>
           <p:cNvSpPr txBox="1"/>
           <p:nvPr>
             <p:ph idx="1" type="body"/>
@@ -11542,42 +10627,51 @@
           </a:bodyPr>
           <a:lstStyle/>
           <a:p>
-            <a:pPr indent="-304800" lvl="0" marL="698500" rtl="0" algn="l">
-              <a:spcBef>
-                <a:spcPts val="0"/>
-              </a:spcBef>
-              <a:spcAft>
-                <a:spcPts val="0"/>
-              </a:spcAft>
-              <a:buClr>
-                <a:srgbClr val="333333"/>
-              </a:buClr>
-              <a:buSzPts val="1200"/>
-              <a:buFont typeface="Arial"/>
-              <a:buAutoNum type="arabicPeriod"/>
-            </a:pPr>
+            <a:pPr indent="0" lvl="0" marL="0" rtl="0" algn="l">
+              <a:spcBef>
+                <a:spcPts val="0"/>
+              </a:spcBef>
+              <a:spcAft>
+                <a:spcPts val="0"/>
+              </a:spcAft>
+              <a:buNone/>
+            </a:pPr>
+            <a:r>
+              <a:rPr lang="en"/>
+              <a:t>[1] </a:t>
+            </a:r>
             <a:r>
               <a:rPr b="1" lang="en" sz="1200">
-                <a:solidFill>
-                  <a:srgbClr val="333333"/>
-                </a:solidFill>
-                <a:highlight>
-                  <a:srgbClr val="FFFFFF"/>
-                </a:highlight>
                 <a:latin typeface="Arial"/>
                 <a:ea typeface="Arial"/>
                 <a:cs typeface="Arial"/>
                 <a:sym typeface="Arial"/>
               </a:rPr>
-              <a:t>Team Contribution Slide:</a:t>
+              <a:t> </a:t>
+            </a:r>
+            <a:r>
+              <a:rPr b="1" lang="en" sz="1200" u="sng">
+                <a:solidFill>
+                  <a:schemeClr val="hlink"/>
+                </a:solidFill>
+                <a:latin typeface="Arial"/>
+                <a:ea typeface="Arial"/>
+                <a:cs typeface="Arial"/>
+                <a:sym typeface="Arial"/>
+                <a:hlinkClick r:id="rId3"/>
+              </a:rPr>
+              <a:t>https://github.com/rrambhia22/ResumeClassification_Parser</a:t>
+            </a:r>
+            <a:r>
+              <a:rPr b="1" lang="en" sz="1200">
+                <a:latin typeface="Arial"/>
+                <a:ea typeface="Arial"/>
+                <a:cs typeface="Arial"/>
+                <a:sym typeface="Arial"/>
+              </a:rPr>
+              <a:t> </a:t>
             </a:r>
             <a:endParaRPr b="1" sz="1200">
-              <a:solidFill>
-                <a:srgbClr val="333333"/>
-              </a:solidFill>
-              <a:highlight>
-                <a:srgbClr val="FFFFFF"/>
-              </a:highlight>
               <a:latin typeface="Arial"/>
               <a:ea typeface="Arial"/>
               <a:cs typeface="Arial"/>
@@ -11585,42 +10679,47 @@
             </a:endParaRPr>
           </a:p>
           <a:p>
-            <a:pPr indent="-304800" lvl="1" marL="1397000" rtl="0" algn="l">
-              <a:spcBef>
-                <a:spcPts val="0"/>
-              </a:spcBef>
-              <a:spcAft>
-                <a:spcPts val="0"/>
-              </a:spcAft>
-              <a:buClr>
-                <a:srgbClr val="333333"/>
-              </a:buClr>
-              <a:buSzPts val="1200"/>
-              <a:buFont typeface="Arial"/>
-              <a:buChar char="○"/>
-            </a:pPr>
-            <a:r>
-              <a:rPr lang="en" sz="1200">
-                <a:solidFill>
-                  <a:srgbClr val="333333"/>
-                </a:solidFill>
-                <a:highlight>
-                  <a:srgbClr val="FFFFFF"/>
-                </a:highlight>
+            <a:pPr indent="0" lvl="0" marL="0" rtl="0" algn="l">
+              <a:spcBef>
+                <a:spcPts val="1200"/>
+              </a:spcBef>
+              <a:spcAft>
+                <a:spcPts val="0"/>
+              </a:spcAft>
+              <a:buNone/>
+            </a:pPr>
+            <a:r>
+              <a:rPr b="1" lang="en" sz="1200">
                 <a:latin typeface="Arial"/>
                 <a:ea typeface="Arial"/>
                 <a:cs typeface="Arial"/>
                 <a:sym typeface="Arial"/>
               </a:rPr>
-              <a:t>A detailed chart or graph showing each team member's contribution percentage</a:t>
-            </a:r>
-            <a:endParaRPr sz="1200">
-              <a:solidFill>
-                <a:srgbClr val="333333"/>
-              </a:solidFill>
-              <a:highlight>
-                <a:srgbClr val="FFFFFF"/>
-              </a:highlight>
+              <a:t>[2]  </a:t>
+            </a:r>
+            <a:r>
+              <a:rPr b="1" lang="en" sz="1200" u="sng">
+                <a:solidFill>
+                  <a:schemeClr val="hlink"/>
+                </a:solidFill>
+                <a:latin typeface="Arial"/>
+                <a:ea typeface="Arial"/>
+                <a:cs typeface="Arial"/>
+                <a:sym typeface="Arial"/>
+                <a:hlinkClick r:id="rId4"/>
+              </a:rPr>
+              <a:t>https://github.com/ghelanikirtan/HR-Process-Automation</a:t>
+            </a:r>
+            <a:r>
+              <a:rPr b="1" lang="en" sz="1200">
+                <a:latin typeface="Arial"/>
+                <a:ea typeface="Arial"/>
+                <a:cs typeface="Arial"/>
+                <a:sym typeface="Arial"/>
+              </a:rPr>
+              <a:t> </a:t>
+            </a:r>
+            <a:endParaRPr b="1" sz="1200">
               <a:latin typeface="Arial"/>
               <a:ea typeface="Arial"/>
               <a:cs typeface="Arial"/>
@@ -11628,42 +10727,47 @@
             </a:endParaRPr>
           </a:p>
           <a:p>
-            <a:pPr indent="-304800" lvl="1" marL="1397000" rtl="0" algn="l">
-              <a:spcBef>
-                <a:spcPts val="0"/>
-              </a:spcBef>
-              <a:spcAft>
-                <a:spcPts val="0"/>
-              </a:spcAft>
-              <a:buClr>
-                <a:srgbClr val="333333"/>
-              </a:buClr>
-              <a:buSzPts val="1200"/>
-              <a:buFont typeface="Arial"/>
-              <a:buChar char="○"/>
-            </a:pPr>
-            <a:r>
-              <a:rPr lang="en" sz="1200">
-                <a:solidFill>
-                  <a:srgbClr val="333333"/>
-                </a:solidFill>
-                <a:highlight>
-                  <a:srgbClr val="FFFFFF"/>
-                </a:highlight>
+            <a:pPr indent="0" lvl="0" marL="0" rtl="0" algn="l">
+              <a:spcBef>
+                <a:spcPts val="1200"/>
+              </a:spcBef>
+              <a:spcAft>
+                <a:spcPts val="0"/>
+              </a:spcAft>
+              <a:buNone/>
+            </a:pPr>
+            <a:r>
+              <a:rPr b="1" lang="en" sz="1200">
                 <a:latin typeface="Arial"/>
                 <a:ea typeface="Arial"/>
                 <a:cs typeface="Arial"/>
                 <a:sym typeface="Arial"/>
               </a:rPr>
-              <a:t>A clear breakdown of the sum of contributions equaling 100%</a:t>
-            </a:r>
-            <a:endParaRPr sz="1200">
-              <a:solidFill>
-                <a:srgbClr val="333333"/>
-              </a:solidFill>
-              <a:highlight>
-                <a:srgbClr val="FFFFFF"/>
-              </a:highlight>
+              <a:t>[3] </a:t>
+            </a:r>
+            <a:r>
+              <a:rPr b="1" lang="en" sz="1200" u="sng">
+                <a:solidFill>
+                  <a:schemeClr val="hlink"/>
+                </a:solidFill>
+                <a:latin typeface="Arial"/>
+                <a:ea typeface="Arial"/>
+                <a:cs typeface="Arial"/>
+                <a:sym typeface="Arial"/>
+                <a:hlinkClick r:id="rId5"/>
+              </a:rPr>
+              <a:t>https://github.com/deepak147/resumeClassify</a:t>
+            </a:r>
+            <a:r>
+              <a:rPr b="1" lang="en" sz="1200">
+                <a:latin typeface="Arial"/>
+                <a:ea typeface="Arial"/>
+                <a:cs typeface="Arial"/>
+                <a:sym typeface="Arial"/>
+              </a:rPr>
+              <a:t> </a:t>
+            </a:r>
+            <a:endParaRPr b="1" sz="1200">
               <a:latin typeface="Arial"/>
               <a:ea typeface="Arial"/>
               <a:cs typeface="Arial"/>
@@ -11671,42 +10775,47 @@
             </a:endParaRPr>
           </a:p>
           <a:p>
-            <a:pPr indent="-304800" lvl="1" marL="1397000" rtl="0" algn="l">
-              <a:spcBef>
-                <a:spcPts val="0"/>
-              </a:spcBef>
-              <a:spcAft>
-                <a:spcPts val="0"/>
-              </a:spcAft>
-              <a:buClr>
-                <a:srgbClr val="333333"/>
-              </a:buClr>
-              <a:buSzPts val="1200"/>
-              <a:buFont typeface="Arial"/>
-              <a:buChar char="○"/>
-            </a:pPr>
-            <a:r>
-              <a:rPr lang="en" sz="1200">
-                <a:solidFill>
-                  <a:srgbClr val="333333"/>
-                </a:solidFill>
-                <a:highlight>
-                  <a:srgbClr val="FFFFFF"/>
-                </a:highlight>
+            <a:pPr indent="0" lvl="0" marL="0" rtl="0" algn="l">
+              <a:spcBef>
+                <a:spcPts val="1200"/>
+              </a:spcBef>
+              <a:spcAft>
+                <a:spcPts val="0"/>
+              </a:spcAft>
+              <a:buNone/>
+            </a:pPr>
+            <a:r>
+              <a:rPr b="1" lang="en" sz="1200">
                 <a:latin typeface="Arial"/>
                 <a:ea typeface="Arial"/>
                 <a:cs typeface="Arial"/>
                 <a:sym typeface="Arial"/>
               </a:rPr>
-              <a:t>Acknowledgment of the collaborative effort of the team</a:t>
-            </a:r>
-            <a:endParaRPr sz="1200">
-              <a:solidFill>
-                <a:srgbClr val="333333"/>
-              </a:solidFill>
-              <a:highlight>
-                <a:srgbClr val="FFFFFF"/>
-              </a:highlight>
+              <a:t>[4]  </a:t>
+            </a:r>
+            <a:r>
+              <a:rPr b="1" lang="en" sz="1200" u="sng">
+                <a:solidFill>
+                  <a:schemeClr val="hlink"/>
+                </a:solidFill>
+                <a:latin typeface="Arial"/>
+                <a:ea typeface="Arial"/>
+                <a:cs typeface="Arial"/>
+                <a:sym typeface="Arial"/>
+                <a:hlinkClick r:id="rId6"/>
+              </a:rPr>
+              <a:t>https://gist.github.com/cquangc/1b0d6cf08fe250a680d1d823eff</a:t>
+            </a:r>
+            <a:r>
+              <a:rPr b="1" lang="en" sz="1200">
+                <a:latin typeface="Arial"/>
+                <a:ea typeface="Arial"/>
+                <a:cs typeface="Arial"/>
+                <a:sym typeface="Arial"/>
+              </a:rPr>
+              <a:t> </a:t>
+            </a:r>
+            <a:endParaRPr b="1" sz="1200">
               <a:latin typeface="Arial"/>
               <a:ea typeface="Arial"/>
               <a:cs typeface="Arial"/>
@@ -11714,50 +10823,52 @@
             </a:endParaRPr>
           </a:p>
           <a:p>
-            <a:pPr indent="-304800" lvl="0" marL="698500" rtl="0" algn="l">
-              <a:spcBef>
-                <a:spcPts val="0"/>
-              </a:spcBef>
-              <a:spcAft>
-                <a:spcPts val="0"/>
-              </a:spcAft>
-              <a:buClr>
-                <a:srgbClr val="333333"/>
-              </a:buClr>
-              <a:buSzPts val="1200"/>
-              <a:buFont typeface="Arial"/>
-              <a:buAutoNum type="arabicPeriod"/>
-            </a:pPr>
-            <a:r>
-              <a:t/>
-            </a:r>
-            <a:endParaRPr sz="1200">
-              <a:solidFill>
-                <a:srgbClr val="333333"/>
-              </a:solidFill>
-              <a:highlight>
-                <a:srgbClr val="FFFFFF"/>
-              </a:highlight>
+            <a:pPr indent="0" lvl="0" marL="0" rtl="0" algn="l">
+              <a:spcBef>
+                <a:spcPts val="1200"/>
+              </a:spcBef>
+              <a:spcAft>
+                <a:spcPts val="1200"/>
+              </a:spcAft>
+              <a:buNone/>
+            </a:pPr>
+            <a:r>
+              <a:rPr b="1" lang="en" sz="1200">
+                <a:latin typeface="Arial"/>
+                <a:ea typeface="Arial"/>
+                <a:cs typeface="Arial"/>
+                <a:sym typeface="Arial"/>
+              </a:rPr>
+              <a:t>[5] </a:t>
+            </a:r>
+            <a:r>
+              <a:rPr b="1" lang="en" sz="1200" u="sng">
+                <a:solidFill>
+                  <a:schemeClr val="hlink"/>
+                </a:solidFill>
+                <a:latin typeface="Arial"/>
+                <a:ea typeface="Arial"/>
+                <a:cs typeface="Arial"/>
+                <a:sym typeface="Arial"/>
+                <a:hlinkClick r:id="rId7"/>
+              </a:rPr>
+              <a:t>https://github.com/Spidy20/Smart_Resume_Analyser_App</a:t>
+            </a:r>
+            <a:r>
+              <a:rPr b="1" lang="en" sz="1200">
+                <a:latin typeface="Arial"/>
+                <a:ea typeface="Arial"/>
+                <a:cs typeface="Arial"/>
+                <a:sym typeface="Arial"/>
+              </a:rPr>
+              <a:t> </a:t>
+            </a:r>
+            <a:endParaRPr b="1" sz="1200">
               <a:latin typeface="Arial"/>
               <a:ea typeface="Arial"/>
               <a:cs typeface="Arial"/>
               <a:sym typeface="Arial"/>
             </a:endParaRPr>
-          </a:p>
-          <a:p>
-            <a:pPr indent="0" lvl="0" marL="0" rtl="0" algn="l">
-              <a:spcBef>
-                <a:spcPts val="500"/>
-              </a:spcBef>
-              <a:spcAft>
-                <a:spcPts val="1200"/>
-              </a:spcAft>
-              <a:buNone/>
-            </a:pPr>
-            <a:r>
-              <a:t/>
-            </a:r>
-            <a:endParaRPr/>
           </a:p>
         </p:txBody>
       </p:sp>
@@ -11774,7 +10885,7 @@
   <p:cSld>
     <p:spTree>
       <p:nvGrpSpPr>
-        <p:cNvPr id="191" name="Shape 191"/>
+        <p:cNvPr id="195" name="Shape 195"/>
         <p:cNvGrpSpPr/>
         <p:nvPr/>
       </p:nvGrpSpPr>
@@ -11788,46 +10899,7 @@
       </p:grpSpPr>
       <p:sp>
         <p:nvSpPr>
-          <p:cNvPr id="192" name="Google Shape;192;p33"/>
-          <p:cNvSpPr txBox="1"/>
-          <p:nvPr>
-            <p:ph type="title"/>
-          </p:nvPr>
-        </p:nvSpPr>
-        <p:spPr>
-          <a:xfrm>
-            <a:off x="311700" y="445025"/>
-            <a:ext cx="8520600" cy="572700"/>
-          </a:xfrm>
-          <a:prstGeom prst="rect">
-            <a:avLst/>
-          </a:prstGeom>
-        </p:spPr>
-        <p:txBody>
-          <a:bodyPr anchorCtr="0" anchor="t" bIns="91425" lIns="91425" spcFirstLastPara="1" rIns="91425" wrap="square" tIns="91425">
-            <a:normAutofit fontScale="90000"/>
-          </a:bodyPr>
-          <a:lstStyle/>
-          <a:p>
-            <a:pPr indent="0" lvl="0" marL="0" rtl="0" algn="l">
-              <a:spcBef>
-                <a:spcPts val="0"/>
-              </a:spcBef>
-              <a:spcAft>
-                <a:spcPts val="0"/>
-              </a:spcAft>
-              <a:buNone/>
-            </a:pPr>
-            <a:r>
-              <a:t/>
-            </a:r>
-            <a:endParaRPr/>
-          </a:p>
-        </p:txBody>
-      </p:sp>
-      <p:sp>
-        <p:nvSpPr>
-          <p:cNvPr id="193" name="Google Shape;193;p33"/>
+          <p:cNvPr id="196" name="Google Shape;196;p33"/>
           <p:cNvSpPr txBox="1"/>
           <p:nvPr>
             <p:ph idx="1" type="body"/>
@@ -11835,8 +10907,8 @@
         </p:nvSpPr>
         <p:spPr>
           <a:xfrm>
-            <a:off x="311700" y="1152475"/>
-            <a:ext cx="8520600" cy="3416400"/>
+            <a:off x="311700" y="58725"/>
+            <a:ext cx="8520600" cy="4510200"/>
           </a:xfrm>
           <a:prstGeom prst="rect">
             <a:avLst/>
@@ -11848,524 +10920,262 @@
           </a:bodyPr>
           <a:lstStyle/>
           <a:p>
-            <a:pPr indent="0" lvl="0" marL="0" rtl="0" algn="l">
-              <a:spcBef>
-                <a:spcPts val="0"/>
-              </a:spcBef>
-              <a:spcAft>
+            <a:pPr indent="0" lvl="0" marL="0" rtl="0" algn="ctr">
+              <a:spcBef>
+                <a:spcPts val="0"/>
+              </a:spcBef>
+              <a:spcAft>
+                <a:spcPts val="0"/>
+              </a:spcAft>
+              <a:buNone/>
+            </a:pPr>
+            <a:r>
+              <a:rPr lang="en" sz="2600">
+                <a:solidFill>
+                  <a:srgbClr val="333333"/>
+                </a:solidFill>
+                <a:highlight>
+                  <a:srgbClr val="FFFFFF"/>
+                </a:highlight>
+                <a:latin typeface="Arial"/>
+                <a:ea typeface="Arial"/>
+                <a:cs typeface="Arial"/>
+                <a:sym typeface="Arial"/>
+              </a:rPr>
+              <a:t>Thank you for you time</a:t>
+            </a:r>
+            <a:endParaRPr sz="2600">
+              <a:solidFill>
+                <a:srgbClr val="333333"/>
+              </a:solidFill>
+              <a:highlight>
+                <a:srgbClr val="FFFFFF"/>
+              </a:highlight>
+              <a:latin typeface="Arial"/>
+              <a:ea typeface="Arial"/>
+              <a:cs typeface="Arial"/>
+              <a:sym typeface="Arial"/>
+            </a:endParaRPr>
+          </a:p>
+          <a:p>
+            <a:pPr indent="0" lvl="0" marL="0" rtl="0" algn="ctr">
+              <a:spcBef>
                 <a:spcPts val="1200"/>
-              </a:spcAft>
-              <a:buNone/>
-            </a:pPr>
-            <a:r>
-              <a:t/>
-            </a:r>
-            <a:endParaRPr/>
-          </a:p>
-        </p:txBody>
-      </p:sp>
-    </p:spTree>
-  </p:cSld>
-  <p:clrMapOvr>
-    <a:masterClrMapping/>
-  </p:clrMapOvr>
-</p:sld>
-</file>
-
-<file path=ppt/slides/slide22.xml><?xml version="1.0" encoding="utf-8"?>
-<p:sld xmlns:a="http://schemas.openxmlformats.org/drawingml/2006/main" xmlns:r="http://schemas.openxmlformats.org/officeDocument/2006/relationships" xmlns:mc="http://schemas.openxmlformats.org/markup-compatibility/2006" xmlns:mv="urn:schemas-microsoft-com:mac:vml" xmlns:p="http://schemas.openxmlformats.org/presentationml/2006/main" xmlns:c="http://schemas.openxmlformats.org/drawingml/2006/chart" xmlns:dgm="http://schemas.openxmlformats.org/drawingml/2006/diagram" xmlns:o="urn:schemas-microsoft-com:office:office" xmlns:v="urn:schemas-microsoft-com:vml" xmlns:pvml="urn:schemas-microsoft-com:office:powerpoint" xmlns:com="http://schemas.openxmlformats.org/drawingml/2006/compatibility" xmlns:p14="http://schemas.microsoft.com/office/powerpoint/2010/main" xmlns:p15="http://schemas.microsoft.com/office/powerpoint/2012/main" xmlns:ahyp="http://schemas.microsoft.com/office/drawing/2018/hyperlinkcolor">
-  <p:cSld>
-    <p:spTree>
-      <p:nvGrpSpPr>
-        <p:cNvPr id="197" name="Shape 197"/>
-        <p:cNvGrpSpPr/>
-        <p:nvPr/>
-      </p:nvGrpSpPr>
-      <p:grpSpPr>
-        <a:xfrm>
-          <a:off x="0" y="0"/>
-          <a:ext cx="0" cy="0"/>
-          <a:chOff x="0" y="0"/>
-          <a:chExt cx="0" cy="0"/>
-        </a:xfrm>
-      </p:grpSpPr>
-      <p:sp>
-        <p:nvSpPr>
-          <p:cNvPr id="198" name="Google Shape;198;p34"/>
-          <p:cNvSpPr txBox="1"/>
-          <p:nvPr>
-            <p:ph type="title"/>
-          </p:nvPr>
-        </p:nvSpPr>
-        <p:spPr>
-          <a:xfrm>
-            <a:off x="311700" y="445025"/>
-            <a:ext cx="8520600" cy="572700"/>
-          </a:xfrm>
-          <a:prstGeom prst="rect">
-            <a:avLst/>
-          </a:prstGeom>
-        </p:spPr>
-        <p:txBody>
-          <a:bodyPr anchorCtr="0" anchor="t" bIns="91425" lIns="91425" spcFirstLastPara="1" rIns="91425" wrap="square" tIns="91425">
-            <a:normAutofit fontScale="90000"/>
-          </a:bodyPr>
-          <a:lstStyle/>
-          <a:p>
-            <a:pPr indent="0" lvl="0" marL="0" rtl="0" algn="l">
-              <a:spcBef>
-                <a:spcPts val="0"/>
-              </a:spcBef>
-              <a:spcAft>
-                <a:spcPts val="0"/>
-              </a:spcAft>
-              <a:buNone/>
-            </a:pPr>
-            <a:r>
-              <a:t/>
-            </a:r>
-            <a:endParaRPr/>
-          </a:p>
-        </p:txBody>
-      </p:sp>
-      <p:sp>
-        <p:nvSpPr>
-          <p:cNvPr id="199" name="Google Shape;199;p34"/>
-          <p:cNvSpPr txBox="1"/>
-          <p:nvPr>
-            <p:ph idx="1" type="body"/>
-          </p:nvPr>
-        </p:nvSpPr>
-        <p:spPr>
-          <a:xfrm>
-            <a:off x="311700" y="1152475"/>
-            <a:ext cx="8520600" cy="3416400"/>
-          </a:xfrm>
-          <a:prstGeom prst="rect">
-            <a:avLst/>
-          </a:prstGeom>
-        </p:spPr>
-        <p:txBody>
-          <a:bodyPr anchorCtr="0" anchor="t" bIns="91425" lIns="91425" spcFirstLastPara="1" rIns="91425" wrap="square" tIns="91425">
-            <a:normAutofit/>
-          </a:bodyPr>
-          <a:lstStyle/>
-          <a:p>
-            <a:pPr indent="0" lvl="0" marL="0" rtl="0" algn="l">
-              <a:spcBef>
-                <a:spcPts val="0"/>
-              </a:spcBef>
-              <a:spcAft>
+              </a:spcBef>
+              <a:spcAft>
+                <a:spcPts val="0"/>
+              </a:spcAft>
+              <a:buNone/>
+            </a:pPr>
+            <a:r>
+              <a:rPr lang="en" sz="2600">
+                <a:solidFill>
+                  <a:srgbClr val="333333"/>
+                </a:solidFill>
+                <a:highlight>
+                  <a:srgbClr val="FFFFFF"/>
+                </a:highlight>
+                <a:latin typeface="Arial"/>
+                <a:ea typeface="Arial"/>
+                <a:cs typeface="Arial"/>
+                <a:sym typeface="Arial"/>
+              </a:rPr>
+              <a:t>Questions? Please feel free to contact</a:t>
+            </a:r>
+            <a:endParaRPr sz="2600">
+              <a:solidFill>
+                <a:srgbClr val="333333"/>
+              </a:solidFill>
+              <a:highlight>
+                <a:srgbClr val="FFFFFF"/>
+              </a:highlight>
+              <a:latin typeface="Arial"/>
+              <a:ea typeface="Arial"/>
+              <a:cs typeface="Arial"/>
+              <a:sym typeface="Arial"/>
+            </a:endParaRPr>
+          </a:p>
+          <a:p>
+            <a:pPr indent="0" lvl="0" marL="0" rtl="0" algn="ctr">
+              <a:spcBef>
                 <a:spcPts val="1200"/>
-              </a:spcAft>
-              <a:buNone/>
-            </a:pPr>
-            <a:r>
-              <a:t/>
-            </a:r>
-            <a:endParaRPr/>
-          </a:p>
-        </p:txBody>
-      </p:sp>
-    </p:spTree>
-  </p:cSld>
-  <p:clrMapOvr>
-    <a:masterClrMapping/>
-  </p:clrMapOvr>
-</p:sld>
-</file>
-
-<file path=ppt/slides/slide23.xml><?xml version="1.0" encoding="utf-8"?>
-<p:sld xmlns:a="http://schemas.openxmlformats.org/drawingml/2006/main" xmlns:r="http://schemas.openxmlformats.org/officeDocument/2006/relationships" xmlns:mc="http://schemas.openxmlformats.org/markup-compatibility/2006" xmlns:mv="urn:schemas-microsoft-com:mac:vml" xmlns:p="http://schemas.openxmlformats.org/presentationml/2006/main" xmlns:c="http://schemas.openxmlformats.org/drawingml/2006/chart" xmlns:dgm="http://schemas.openxmlformats.org/drawingml/2006/diagram" xmlns:o="urn:schemas-microsoft-com:office:office" xmlns:v="urn:schemas-microsoft-com:vml" xmlns:pvml="urn:schemas-microsoft-com:office:powerpoint" xmlns:com="http://schemas.openxmlformats.org/drawingml/2006/compatibility" xmlns:p14="http://schemas.microsoft.com/office/powerpoint/2010/main" xmlns:p15="http://schemas.microsoft.com/office/powerpoint/2012/main" xmlns:ahyp="http://schemas.microsoft.com/office/drawing/2018/hyperlinkcolor">
-  <p:cSld>
-    <p:spTree>
-      <p:nvGrpSpPr>
-        <p:cNvPr id="203" name="Shape 203"/>
-        <p:cNvGrpSpPr/>
-        <p:nvPr/>
-      </p:nvGrpSpPr>
-      <p:grpSpPr>
-        <a:xfrm>
-          <a:off x="0" y="0"/>
-          <a:ext cx="0" cy="0"/>
-          <a:chOff x="0" y="0"/>
-          <a:chExt cx="0" cy="0"/>
-        </a:xfrm>
-      </p:grpSpPr>
-      <p:sp>
-        <p:nvSpPr>
-          <p:cNvPr id="204" name="Google Shape;204;p35"/>
-          <p:cNvSpPr txBox="1"/>
-          <p:nvPr>
-            <p:ph type="title"/>
-          </p:nvPr>
-        </p:nvSpPr>
-        <p:spPr>
-          <a:xfrm>
-            <a:off x="311700" y="445025"/>
-            <a:ext cx="8520600" cy="572700"/>
-          </a:xfrm>
-          <a:prstGeom prst="rect">
-            <a:avLst/>
-          </a:prstGeom>
-        </p:spPr>
-        <p:txBody>
-          <a:bodyPr anchorCtr="0" anchor="t" bIns="91425" lIns="91425" spcFirstLastPara="1" rIns="91425" wrap="square" tIns="91425">
-            <a:normAutofit fontScale="90000"/>
-          </a:bodyPr>
-          <a:lstStyle/>
-          <a:p>
-            <a:pPr indent="0" lvl="0" marL="0" rtl="0" algn="l">
-              <a:spcBef>
-                <a:spcPts val="0"/>
-              </a:spcBef>
-              <a:spcAft>
-                <a:spcPts val="0"/>
-              </a:spcAft>
-              <a:buNone/>
-            </a:pPr>
-            <a:r>
-              <a:t/>
-            </a:r>
-            <a:endParaRPr/>
-          </a:p>
-        </p:txBody>
-      </p:sp>
-      <p:sp>
-        <p:nvSpPr>
-          <p:cNvPr id="205" name="Google Shape;205;p35"/>
-          <p:cNvSpPr txBox="1"/>
-          <p:nvPr>
-            <p:ph idx="1" type="body"/>
-          </p:nvPr>
-        </p:nvSpPr>
-        <p:spPr>
-          <a:xfrm>
-            <a:off x="311700" y="1152475"/>
-            <a:ext cx="8520600" cy="3416400"/>
-          </a:xfrm>
-          <a:prstGeom prst="rect">
-            <a:avLst/>
-          </a:prstGeom>
-        </p:spPr>
-        <p:txBody>
-          <a:bodyPr anchorCtr="0" anchor="t" bIns="91425" lIns="91425" spcFirstLastPara="1" rIns="91425" wrap="square" tIns="91425">
-            <a:normAutofit/>
-          </a:bodyPr>
-          <a:lstStyle/>
-          <a:p>
-            <a:pPr indent="0" lvl="0" marL="0" rtl="0" algn="l">
-              <a:spcBef>
-                <a:spcPts val="0"/>
-              </a:spcBef>
-              <a:spcAft>
+              </a:spcBef>
+              <a:spcAft>
+                <a:spcPts val="0"/>
+              </a:spcAft>
+              <a:buNone/>
+            </a:pPr>
+            <a:r>
+              <a:rPr lang="en" sz="1400">
+                <a:solidFill>
+                  <a:srgbClr val="333333"/>
+                </a:solidFill>
+                <a:highlight>
+                  <a:srgbClr val="FFFFFF"/>
+                </a:highlight>
+                <a:latin typeface="Arial"/>
+                <a:ea typeface="Arial"/>
+                <a:cs typeface="Arial"/>
+                <a:sym typeface="Arial"/>
+              </a:rPr>
+              <a:t>Dallas Diaz: </a:t>
+            </a:r>
+            <a:r>
+              <a:rPr lang="en" sz="1400" u="sng">
+                <a:solidFill>
+                  <a:schemeClr val="hlink"/>
+                </a:solidFill>
+                <a:highlight>
+                  <a:srgbClr val="FFFFFF"/>
+                </a:highlight>
+                <a:latin typeface="Arial"/>
+                <a:ea typeface="Arial"/>
+                <a:cs typeface="Arial"/>
+                <a:sym typeface="Arial"/>
+                <a:hlinkClick r:id="rId3"/>
+              </a:rPr>
+              <a:t>ddmnh@umsystem.edu</a:t>
+            </a:r>
+            <a:endParaRPr sz="1400">
+              <a:solidFill>
+                <a:srgbClr val="333333"/>
+              </a:solidFill>
+              <a:highlight>
+                <a:srgbClr val="FFFFFF"/>
+              </a:highlight>
+              <a:latin typeface="Arial"/>
+              <a:ea typeface="Arial"/>
+              <a:cs typeface="Arial"/>
+              <a:sym typeface="Arial"/>
+            </a:endParaRPr>
+          </a:p>
+          <a:p>
+            <a:pPr indent="0" lvl="0" marL="0" rtl="0" algn="ctr">
+              <a:spcBef>
                 <a:spcPts val="1200"/>
-              </a:spcAft>
-              <a:buNone/>
-            </a:pPr>
-            <a:r>
-              <a:t/>
-            </a:r>
-            <a:endParaRPr/>
-          </a:p>
-        </p:txBody>
-      </p:sp>
-    </p:spTree>
-  </p:cSld>
-  <p:clrMapOvr>
-    <a:masterClrMapping/>
-  </p:clrMapOvr>
-</p:sld>
-</file>
-
-<file path=ppt/slides/slide24.xml><?xml version="1.0" encoding="utf-8"?>
-<p:sld xmlns:a="http://schemas.openxmlformats.org/drawingml/2006/main" xmlns:r="http://schemas.openxmlformats.org/officeDocument/2006/relationships" xmlns:mc="http://schemas.openxmlformats.org/markup-compatibility/2006" xmlns:mv="urn:schemas-microsoft-com:mac:vml" xmlns:p="http://schemas.openxmlformats.org/presentationml/2006/main" xmlns:c="http://schemas.openxmlformats.org/drawingml/2006/chart" xmlns:dgm="http://schemas.openxmlformats.org/drawingml/2006/diagram" xmlns:o="urn:schemas-microsoft-com:office:office" xmlns:v="urn:schemas-microsoft-com:vml" xmlns:pvml="urn:schemas-microsoft-com:office:powerpoint" xmlns:com="http://schemas.openxmlformats.org/drawingml/2006/compatibility" xmlns:p14="http://schemas.microsoft.com/office/powerpoint/2010/main" xmlns:p15="http://schemas.microsoft.com/office/powerpoint/2012/main" xmlns:ahyp="http://schemas.microsoft.com/office/drawing/2018/hyperlinkcolor">
-  <p:cSld>
-    <p:spTree>
-      <p:nvGrpSpPr>
-        <p:cNvPr id="209" name="Shape 209"/>
-        <p:cNvGrpSpPr/>
-        <p:nvPr/>
-      </p:nvGrpSpPr>
-      <p:grpSpPr>
-        <a:xfrm>
-          <a:off x="0" y="0"/>
-          <a:ext cx="0" cy="0"/>
-          <a:chOff x="0" y="0"/>
-          <a:chExt cx="0" cy="0"/>
-        </a:xfrm>
-      </p:grpSpPr>
-      <p:sp>
-        <p:nvSpPr>
-          <p:cNvPr id="210" name="Google Shape;210;p36"/>
-          <p:cNvSpPr txBox="1"/>
-          <p:nvPr>
-            <p:ph type="title"/>
-          </p:nvPr>
-        </p:nvSpPr>
-        <p:spPr>
-          <a:xfrm>
-            <a:off x="311700" y="445025"/>
-            <a:ext cx="8520600" cy="572700"/>
-          </a:xfrm>
-          <a:prstGeom prst="rect">
-            <a:avLst/>
-          </a:prstGeom>
-        </p:spPr>
-        <p:txBody>
-          <a:bodyPr anchorCtr="0" anchor="t" bIns="91425" lIns="91425" spcFirstLastPara="1" rIns="91425" wrap="square" tIns="91425">
-            <a:normAutofit fontScale="90000"/>
-          </a:bodyPr>
-          <a:lstStyle/>
-          <a:p>
-            <a:pPr indent="0" lvl="0" marL="0" rtl="0" algn="l">
-              <a:spcBef>
-                <a:spcPts val="0"/>
-              </a:spcBef>
-              <a:spcAft>
-                <a:spcPts val="0"/>
-              </a:spcAft>
-              <a:buNone/>
-            </a:pPr>
-            <a:r>
-              <a:t/>
-            </a:r>
-            <a:endParaRPr/>
-          </a:p>
-        </p:txBody>
-      </p:sp>
-      <p:sp>
-        <p:nvSpPr>
-          <p:cNvPr id="211" name="Google Shape;211;p36"/>
-          <p:cNvSpPr txBox="1"/>
-          <p:nvPr>
-            <p:ph idx="1" type="body"/>
-          </p:nvPr>
-        </p:nvSpPr>
-        <p:spPr>
-          <a:xfrm>
-            <a:off x="311700" y="1152475"/>
-            <a:ext cx="8520600" cy="3416400"/>
-          </a:xfrm>
-          <a:prstGeom prst="rect">
-            <a:avLst/>
-          </a:prstGeom>
-        </p:spPr>
-        <p:txBody>
-          <a:bodyPr anchorCtr="0" anchor="t" bIns="91425" lIns="91425" spcFirstLastPara="1" rIns="91425" wrap="square" tIns="91425">
-            <a:normAutofit/>
-          </a:bodyPr>
-          <a:lstStyle/>
-          <a:p>
-            <a:pPr indent="0" lvl="0" marL="0" rtl="0" algn="l">
-              <a:spcBef>
-                <a:spcPts val="0"/>
-              </a:spcBef>
-              <a:spcAft>
+              </a:spcBef>
+              <a:spcAft>
+                <a:spcPts val="0"/>
+              </a:spcAft>
+              <a:buNone/>
+            </a:pPr>
+            <a:r>
+              <a:rPr lang="en" sz="1400">
+                <a:solidFill>
+                  <a:srgbClr val="333333"/>
+                </a:solidFill>
+                <a:highlight>
+                  <a:srgbClr val="FFFFFF"/>
+                </a:highlight>
+                <a:latin typeface="Arial"/>
+                <a:ea typeface="Arial"/>
+                <a:cs typeface="Arial"/>
+                <a:sym typeface="Arial"/>
+              </a:rPr>
+              <a:t>Muhammad Tayyab : </a:t>
+            </a:r>
+            <a:r>
+              <a:rPr lang="en" sz="1400" u="sng">
+                <a:solidFill>
+                  <a:schemeClr val="hlink"/>
+                </a:solidFill>
+                <a:highlight>
+                  <a:srgbClr val="FFFFFF"/>
+                </a:highlight>
+                <a:latin typeface="Arial"/>
+                <a:ea typeface="Arial"/>
+                <a:cs typeface="Arial"/>
+                <a:sym typeface="Arial"/>
+                <a:hlinkClick r:id="rId4"/>
+              </a:rPr>
+              <a:t>mt56w@umsystem.edu</a:t>
+            </a:r>
+            <a:endParaRPr sz="1400">
+              <a:solidFill>
+                <a:srgbClr val="333333"/>
+              </a:solidFill>
+              <a:highlight>
+                <a:srgbClr val="FFFFFF"/>
+              </a:highlight>
+              <a:latin typeface="Arial"/>
+              <a:ea typeface="Arial"/>
+              <a:cs typeface="Arial"/>
+              <a:sym typeface="Arial"/>
+            </a:endParaRPr>
+          </a:p>
+          <a:p>
+            <a:pPr indent="0" lvl="0" marL="0" rtl="0" algn="ctr">
+              <a:spcBef>
                 <a:spcPts val="1200"/>
-              </a:spcAft>
-              <a:buNone/>
-            </a:pPr>
-            <a:r>
-              <a:t/>
-            </a:r>
-            <a:endParaRPr/>
-          </a:p>
-        </p:txBody>
-      </p:sp>
-    </p:spTree>
-  </p:cSld>
-  <p:clrMapOvr>
-    <a:masterClrMapping/>
-  </p:clrMapOvr>
-</p:sld>
-</file>
-
-<file path=ppt/slides/slide25.xml><?xml version="1.0" encoding="utf-8"?>
-<p:sld xmlns:a="http://schemas.openxmlformats.org/drawingml/2006/main" xmlns:r="http://schemas.openxmlformats.org/officeDocument/2006/relationships" xmlns:mc="http://schemas.openxmlformats.org/markup-compatibility/2006" xmlns:mv="urn:schemas-microsoft-com:mac:vml" xmlns:p="http://schemas.openxmlformats.org/presentationml/2006/main" xmlns:c="http://schemas.openxmlformats.org/drawingml/2006/chart" xmlns:dgm="http://schemas.openxmlformats.org/drawingml/2006/diagram" xmlns:o="urn:schemas-microsoft-com:office:office" xmlns:v="urn:schemas-microsoft-com:vml" xmlns:pvml="urn:schemas-microsoft-com:office:powerpoint" xmlns:com="http://schemas.openxmlformats.org/drawingml/2006/compatibility" xmlns:p14="http://schemas.microsoft.com/office/powerpoint/2010/main" xmlns:p15="http://schemas.microsoft.com/office/powerpoint/2012/main" xmlns:ahyp="http://schemas.microsoft.com/office/drawing/2018/hyperlinkcolor">
-  <p:cSld>
-    <p:spTree>
-      <p:nvGrpSpPr>
-        <p:cNvPr id="215" name="Shape 215"/>
-        <p:cNvGrpSpPr/>
-        <p:nvPr/>
-      </p:nvGrpSpPr>
-      <p:grpSpPr>
-        <a:xfrm>
-          <a:off x="0" y="0"/>
-          <a:ext cx="0" cy="0"/>
-          <a:chOff x="0" y="0"/>
-          <a:chExt cx="0" cy="0"/>
-        </a:xfrm>
-      </p:grpSpPr>
-      <p:sp>
-        <p:nvSpPr>
-          <p:cNvPr id="216" name="Google Shape;216;p37"/>
-          <p:cNvSpPr txBox="1"/>
-          <p:nvPr>
-            <p:ph type="title"/>
-          </p:nvPr>
-        </p:nvSpPr>
-        <p:spPr>
-          <a:xfrm>
-            <a:off x="311700" y="445025"/>
-            <a:ext cx="8520600" cy="572700"/>
-          </a:xfrm>
-          <a:prstGeom prst="rect">
-            <a:avLst/>
-          </a:prstGeom>
-        </p:spPr>
-        <p:txBody>
-          <a:bodyPr anchorCtr="0" anchor="t" bIns="91425" lIns="91425" spcFirstLastPara="1" rIns="91425" wrap="square" tIns="91425">
-            <a:normAutofit fontScale="90000"/>
-          </a:bodyPr>
-          <a:lstStyle/>
-          <a:p>
-            <a:pPr indent="0" lvl="0" marL="0" rtl="0" algn="l">
-              <a:spcBef>
-                <a:spcPts val="0"/>
-              </a:spcBef>
-              <a:spcAft>
-                <a:spcPts val="0"/>
-              </a:spcAft>
-              <a:buNone/>
-            </a:pPr>
-            <a:r>
-              <a:t/>
-            </a:r>
-            <a:endParaRPr/>
-          </a:p>
-        </p:txBody>
-      </p:sp>
-      <p:sp>
-        <p:nvSpPr>
-          <p:cNvPr id="217" name="Google Shape;217;p37"/>
-          <p:cNvSpPr txBox="1"/>
-          <p:nvPr>
-            <p:ph idx="1" type="body"/>
-          </p:nvPr>
-        </p:nvSpPr>
-        <p:spPr>
-          <a:xfrm>
-            <a:off x="311700" y="1152475"/>
-            <a:ext cx="8520600" cy="3416400"/>
-          </a:xfrm>
-          <a:prstGeom prst="rect">
-            <a:avLst/>
-          </a:prstGeom>
-        </p:spPr>
-        <p:txBody>
-          <a:bodyPr anchorCtr="0" anchor="t" bIns="91425" lIns="91425" spcFirstLastPara="1" rIns="91425" wrap="square" tIns="91425">
-            <a:normAutofit/>
-          </a:bodyPr>
-          <a:lstStyle/>
-          <a:p>
-            <a:pPr indent="0" lvl="0" marL="0" rtl="0" algn="l">
-              <a:spcBef>
-                <a:spcPts val="0"/>
-              </a:spcBef>
-              <a:spcAft>
+              </a:spcBef>
+              <a:spcAft>
+                <a:spcPts val="0"/>
+              </a:spcAft>
+              <a:buNone/>
+            </a:pPr>
+            <a:r>
+              <a:rPr lang="en" sz="1400">
+                <a:solidFill>
+                  <a:srgbClr val="333333"/>
+                </a:solidFill>
+                <a:highlight>
+                  <a:srgbClr val="FFFFFF"/>
+                </a:highlight>
+                <a:latin typeface="Arial"/>
+                <a:ea typeface="Arial"/>
+                <a:cs typeface="Arial"/>
+                <a:sym typeface="Arial"/>
+              </a:rPr>
+              <a:t>Ramya Thambabattula: </a:t>
+            </a:r>
+            <a:r>
+              <a:rPr lang="en" sz="1400" u="sng">
+                <a:solidFill>
+                  <a:schemeClr val="hlink"/>
+                </a:solidFill>
+                <a:highlight>
+                  <a:srgbClr val="FFFFFF"/>
+                </a:highlight>
+                <a:latin typeface="Arial"/>
+                <a:ea typeface="Arial"/>
+                <a:cs typeface="Arial"/>
+                <a:sym typeface="Arial"/>
+                <a:hlinkClick r:id="rId5"/>
+              </a:rPr>
+              <a:t>tramyakumari.22s@gmail.com</a:t>
+            </a:r>
+            <a:r>
+              <a:rPr lang="en" sz="1400">
+                <a:solidFill>
+                  <a:srgbClr val="333333"/>
+                </a:solidFill>
+                <a:highlight>
+                  <a:srgbClr val="FFFFFF"/>
+                </a:highlight>
+                <a:latin typeface="Arial"/>
+                <a:ea typeface="Arial"/>
+                <a:cs typeface="Arial"/>
+                <a:sym typeface="Arial"/>
+              </a:rPr>
+              <a:t> </a:t>
+            </a:r>
+            <a:endParaRPr sz="1400">
+              <a:solidFill>
+                <a:srgbClr val="333333"/>
+              </a:solidFill>
+              <a:highlight>
+                <a:srgbClr val="FFFFFF"/>
+              </a:highlight>
+              <a:latin typeface="Arial"/>
+              <a:ea typeface="Arial"/>
+              <a:cs typeface="Arial"/>
+              <a:sym typeface="Arial"/>
+            </a:endParaRPr>
+          </a:p>
+          <a:p>
+            <a:pPr indent="457200" lvl="0" marL="1828800" rtl="0" algn="l">
+              <a:spcBef>
                 <a:spcPts val="1200"/>
-              </a:spcAft>
-              <a:buNone/>
-            </a:pPr>
-            <a:r>
-              <a:t/>
-            </a:r>
-            <a:endParaRPr/>
-          </a:p>
-        </p:txBody>
-      </p:sp>
-    </p:spTree>
-  </p:cSld>
-  <p:clrMapOvr>
-    <a:masterClrMapping/>
-  </p:clrMapOvr>
-</p:sld>
-</file>
-
-<file path=ppt/slides/slide26.xml><?xml version="1.0" encoding="utf-8"?>
-<p:sld xmlns:a="http://schemas.openxmlformats.org/drawingml/2006/main" xmlns:r="http://schemas.openxmlformats.org/officeDocument/2006/relationships" xmlns:mc="http://schemas.openxmlformats.org/markup-compatibility/2006" xmlns:mv="urn:schemas-microsoft-com:mac:vml" xmlns:p="http://schemas.openxmlformats.org/presentationml/2006/main" xmlns:c="http://schemas.openxmlformats.org/drawingml/2006/chart" xmlns:dgm="http://schemas.openxmlformats.org/drawingml/2006/diagram" xmlns:o="urn:schemas-microsoft-com:office:office" xmlns:v="urn:schemas-microsoft-com:vml" xmlns:pvml="urn:schemas-microsoft-com:office:powerpoint" xmlns:com="http://schemas.openxmlformats.org/drawingml/2006/compatibility" xmlns:p14="http://schemas.microsoft.com/office/powerpoint/2010/main" xmlns:p15="http://schemas.microsoft.com/office/powerpoint/2012/main" xmlns:ahyp="http://schemas.microsoft.com/office/drawing/2018/hyperlinkcolor">
-  <p:cSld>
-    <p:spTree>
-      <p:nvGrpSpPr>
-        <p:cNvPr id="221" name="Shape 221"/>
-        <p:cNvGrpSpPr/>
-        <p:nvPr/>
-      </p:nvGrpSpPr>
-      <p:grpSpPr>
-        <a:xfrm>
-          <a:off x="0" y="0"/>
-          <a:ext cx="0" cy="0"/>
-          <a:chOff x="0" y="0"/>
-          <a:chExt cx="0" cy="0"/>
-        </a:xfrm>
-      </p:grpSpPr>
-      <p:sp>
-        <p:nvSpPr>
-          <p:cNvPr id="222" name="Google Shape;222;p38"/>
-          <p:cNvSpPr txBox="1"/>
-          <p:nvPr>
-            <p:ph type="title"/>
-          </p:nvPr>
-        </p:nvSpPr>
-        <p:spPr>
-          <a:xfrm>
-            <a:off x="311700" y="445025"/>
-            <a:ext cx="8520600" cy="572700"/>
-          </a:xfrm>
-          <a:prstGeom prst="rect">
-            <a:avLst/>
-          </a:prstGeom>
-        </p:spPr>
-        <p:txBody>
-          <a:bodyPr anchorCtr="0" anchor="t" bIns="91425" lIns="91425" spcFirstLastPara="1" rIns="91425" wrap="square" tIns="91425">
-            <a:normAutofit fontScale="90000"/>
-          </a:bodyPr>
-          <a:lstStyle/>
-          <a:p>
-            <a:pPr indent="0" lvl="0" marL="0" rtl="0" algn="l">
-              <a:spcBef>
-                <a:spcPts val="0"/>
-              </a:spcBef>
-              <a:spcAft>
-                <a:spcPts val="0"/>
-              </a:spcAft>
-              <a:buNone/>
-            </a:pPr>
-            <a:r>
-              <a:t/>
-            </a:r>
-            <a:endParaRPr/>
-          </a:p>
-        </p:txBody>
-      </p:sp>
-      <p:sp>
-        <p:nvSpPr>
-          <p:cNvPr id="223" name="Google Shape;223;p38"/>
-          <p:cNvSpPr txBox="1"/>
-          <p:nvPr>
-            <p:ph idx="1" type="body"/>
-          </p:nvPr>
-        </p:nvSpPr>
-        <p:spPr>
-          <a:xfrm>
-            <a:off x="311700" y="1152475"/>
-            <a:ext cx="8520600" cy="3416400"/>
-          </a:xfrm>
-          <a:prstGeom prst="rect">
-            <a:avLst/>
-          </a:prstGeom>
-        </p:spPr>
-        <p:txBody>
-          <a:bodyPr anchorCtr="0" anchor="t" bIns="91425" lIns="91425" spcFirstLastPara="1" rIns="91425" wrap="square" tIns="91425">
-            <a:normAutofit/>
-          </a:bodyPr>
-          <a:lstStyle/>
-          <a:p>
-            <a:pPr indent="0" lvl="0" marL="0" rtl="0" algn="l">
-              <a:spcBef>
-                <a:spcPts val="0"/>
               </a:spcBef>
               <a:spcAft>
                 <a:spcPts val="1200"/>
@@ -12373,112 +11183,48 @@
               <a:buNone/>
             </a:pPr>
             <a:r>
-              <a:t/>
-            </a:r>
-            <a:endParaRPr/>
-          </a:p>
-        </p:txBody>
-      </p:sp>
-    </p:spTree>
-  </p:cSld>
-  <p:clrMapOvr>
-    <a:masterClrMapping/>
-  </p:clrMapOvr>
-</p:sld>
-</file>
-
-<file path=ppt/slides/slide27.xml><?xml version="1.0" encoding="utf-8"?>
-<p:sld xmlns:a="http://schemas.openxmlformats.org/drawingml/2006/main" xmlns:r="http://schemas.openxmlformats.org/officeDocument/2006/relationships" xmlns:mc="http://schemas.openxmlformats.org/markup-compatibility/2006" xmlns:mv="urn:schemas-microsoft-com:mac:vml" xmlns:p="http://schemas.openxmlformats.org/presentationml/2006/main" xmlns:c="http://schemas.openxmlformats.org/drawingml/2006/chart" xmlns:dgm="http://schemas.openxmlformats.org/drawingml/2006/diagram" xmlns:o="urn:schemas-microsoft-com:office:office" xmlns:v="urn:schemas-microsoft-com:vml" xmlns:pvml="urn:schemas-microsoft-com:office:powerpoint" xmlns:com="http://schemas.openxmlformats.org/drawingml/2006/compatibility" xmlns:p14="http://schemas.microsoft.com/office/powerpoint/2010/main" xmlns:p15="http://schemas.microsoft.com/office/powerpoint/2012/main" xmlns:ahyp="http://schemas.microsoft.com/office/drawing/2018/hyperlinkcolor">
-  <p:cSld>
-    <p:spTree>
-      <p:nvGrpSpPr>
-        <p:cNvPr id="227" name="Shape 227"/>
-        <p:cNvGrpSpPr/>
-        <p:nvPr/>
-      </p:nvGrpSpPr>
-      <p:grpSpPr>
-        <a:xfrm>
-          <a:off x="0" y="0"/>
-          <a:ext cx="0" cy="0"/>
-          <a:chOff x="0" y="0"/>
-          <a:chExt cx="0" cy="0"/>
-        </a:xfrm>
-      </p:grpSpPr>
-      <p:sp>
-        <p:nvSpPr>
-          <p:cNvPr id="228" name="Google Shape;228;p39"/>
-          <p:cNvSpPr txBox="1"/>
-          <p:nvPr>
-            <p:ph type="title"/>
-          </p:nvPr>
-        </p:nvSpPr>
-        <p:spPr>
-          <a:xfrm>
-            <a:off x="311700" y="445025"/>
-            <a:ext cx="8520600" cy="572700"/>
-          </a:xfrm>
-          <a:prstGeom prst="rect">
-            <a:avLst/>
-          </a:prstGeom>
-        </p:spPr>
-        <p:txBody>
-          <a:bodyPr anchorCtr="0" anchor="t" bIns="91425" lIns="91425" spcFirstLastPara="1" rIns="91425" wrap="square" tIns="91425">
-            <a:normAutofit fontScale="90000"/>
-          </a:bodyPr>
-          <a:lstStyle/>
-          <a:p>
-            <a:pPr indent="0" lvl="0" marL="0" rtl="0" algn="l">
-              <a:spcBef>
-                <a:spcPts val="0"/>
-              </a:spcBef>
-              <a:spcAft>
-                <a:spcPts val="0"/>
-              </a:spcAft>
-              <a:buNone/>
-            </a:pPr>
-            <a:r>
-              <a:t/>
-            </a:r>
-            <a:endParaRPr/>
-          </a:p>
-        </p:txBody>
-      </p:sp>
-      <p:sp>
-        <p:nvSpPr>
-          <p:cNvPr id="229" name="Google Shape;229;p39"/>
-          <p:cNvSpPr txBox="1"/>
-          <p:nvPr>
-            <p:ph idx="1" type="body"/>
-          </p:nvPr>
-        </p:nvSpPr>
-        <p:spPr>
-          <a:xfrm>
-            <a:off x="311700" y="1152475"/>
-            <a:ext cx="8520600" cy="3416400"/>
-          </a:xfrm>
-          <a:prstGeom prst="rect">
-            <a:avLst/>
-          </a:prstGeom>
-        </p:spPr>
-        <p:txBody>
-          <a:bodyPr anchorCtr="0" anchor="t" bIns="91425" lIns="91425" spcFirstLastPara="1" rIns="91425" wrap="square" tIns="91425">
-            <a:normAutofit/>
-          </a:bodyPr>
-          <a:lstStyle/>
-          <a:p>
-            <a:pPr indent="0" lvl="0" marL="0" rtl="0" algn="l">
-              <a:spcBef>
-                <a:spcPts val="0"/>
-              </a:spcBef>
-              <a:spcAft>
-                <a:spcPts val="1200"/>
-              </a:spcAft>
-              <a:buNone/>
-            </a:pPr>
-            <a:r>
-              <a:t/>
-            </a:r>
-            <a:endParaRPr/>
+              <a:rPr lang="en" sz="1400">
+                <a:solidFill>
+                  <a:srgbClr val="333333"/>
+                </a:solidFill>
+                <a:highlight>
+                  <a:srgbClr val="FFFFFF"/>
+                </a:highlight>
+                <a:latin typeface="Arial"/>
+                <a:ea typeface="Arial"/>
+                <a:cs typeface="Arial"/>
+                <a:sym typeface="Arial"/>
+              </a:rPr>
+              <a:t> Muhammad Arslan: </a:t>
+            </a:r>
+            <a:r>
+              <a:rPr lang="en" sz="1400" u="sng">
+                <a:solidFill>
+                  <a:schemeClr val="hlink"/>
+                </a:solidFill>
+                <a:highlight>
+                  <a:srgbClr val="FFFFFF"/>
+                </a:highlight>
+                <a:latin typeface="Arial"/>
+                <a:ea typeface="Arial"/>
+                <a:cs typeface="Arial"/>
+                <a:sym typeface="Arial"/>
+                <a:hlinkClick r:id="rId6"/>
+              </a:rPr>
+              <a:t>manbb@umsystem.edu</a:t>
+            </a:r>
+            <a:endParaRPr sz="1400">
+              <a:solidFill>
+                <a:srgbClr val="333333"/>
+              </a:solidFill>
+              <a:highlight>
+                <a:srgbClr val="FFFFFF"/>
+              </a:highlight>
+              <a:latin typeface="Arial"/>
+              <a:ea typeface="Arial"/>
+              <a:cs typeface="Arial"/>
+              <a:sym typeface="Arial"/>
+            </a:endParaRPr>
           </a:p>
         </p:txBody>
       </p:sp>
@@ -14004,56 +12750,8 @@
                 <a:cs typeface="Arial"/>
                 <a:sym typeface="Arial"/>
               </a:rPr>
-              <a:t> is designed using Streamlit .</a:t>
-            </a:r>
-            <a:endParaRPr sz="7200">
-              <a:solidFill>
-                <a:srgbClr val="ECECEC"/>
-              </a:solidFill>
-              <a:latin typeface="Arial"/>
-              <a:ea typeface="Arial"/>
-              <a:cs typeface="Arial"/>
-              <a:sym typeface="Arial"/>
-            </a:endParaRPr>
-          </a:p>
-          <a:p>
-            <a:pPr indent="0" lvl="0" marL="457200" rtl="0" algn="just">
-              <a:spcBef>
-                <a:spcPts val="500"/>
-              </a:spcBef>
-              <a:spcAft>
-                <a:spcPts val="0"/>
-              </a:spcAft>
-              <a:buNone/>
-            </a:pPr>
-            <a:r>
-              <a:t/>
-            </a:r>
-            <a:endParaRPr sz="2800">
-              <a:solidFill>
-                <a:srgbClr val="ECECEC"/>
-              </a:solidFill>
-              <a:latin typeface="Arial"/>
-              <a:ea typeface="Arial"/>
-              <a:cs typeface="Arial"/>
-              <a:sym typeface="Arial"/>
-            </a:endParaRPr>
-          </a:p>
-          <a:p>
-            <a:pPr indent="-285750" lvl="0" marL="457200" rtl="0" algn="just">
-              <a:spcBef>
-                <a:spcPts val="500"/>
-              </a:spcBef>
-              <a:spcAft>
-                <a:spcPts val="0"/>
-              </a:spcAft>
-              <a:buClr>
-                <a:srgbClr val="ECECEC"/>
-              </a:buClr>
-              <a:buSzPct val="100000"/>
-              <a:buFont typeface="Roboto"/>
-              <a:buChar char="●"/>
-            </a:pPr>
+              <a:t> is designed using Streamlit </a:t>
+            </a:r>
             <a:r>
               <a:rPr lang="en" sz="7200">
                 <a:solidFill>
@@ -14064,7 +12762,7 @@
                 <a:cs typeface="Roboto"/>
                 <a:sym typeface="Roboto"/>
               </a:rPr>
-              <a:t>Streamlit is an open-source Python library that allows developers to create web applications for machine learning, data science, and other analytical tasks with minimal effort.</a:t>
+              <a:t>is an open-source Python library that allows developers to create web applications for machine learning, data science, and other analytical tasks with minimal effort.</a:t>
             </a:r>
             <a:endParaRPr sz="7200">
               <a:solidFill>
@@ -14233,9 +12931,37 @@
             </a:endParaRPr>
           </a:p>
           <a:p>
+            <a:pPr indent="-285750" lvl="0" marL="457200" rtl="0" algn="l">
+              <a:spcBef>
+                <a:spcPts val="0"/>
+              </a:spcBef>
+              <a:spcAft>
+                <a:spcPts val="0"/>
+              </a:spcAft>
+              <a:buClr>
+                <a:srgbClr val="FFFFFF"/>
+              </a:buClr>
+              <a:buSzPct val="100000"/>
+              <a:buFont typeface="Roboto"/>
+              <a:buChar char="●"/>
+            </a:pPr>
+            <a:r>
+              <a:t/>
+            </a:r>
+            <a:endParaRPr sz="7200">
+              <a:solidFill>
+                <a:srgbClr val="FFFFFF"/>
+              </a:solidFill>
+              <a:latin typeface="Roboto"/>
+              <a:ea typeface="Roboto"/>
+              <a:cs typeface="Roboto"/>
+              <a:sym typeface="Roboto"/>
+            </a:endParaRPr>
+          </a:p>
+          <a:p>
             <a:pPr indent="0" lvl="0" marL="0" rtl="0" algn="l">
               <a:spcBef>
-                <a:spcPts val="500"/>
+                <a:spcPts val="1200"/>
               </a:spcBef>
               <a:spcAft>
                 <a:spcPts val="0"/>
@@ -14566,7 +13292,7 @@
         <p:spPr>
           <a:xfrm>
             <a:off x="231375" y="110000"/>
-            <a:ext cx="8819100" cy="819300"/>
+            <a:ext cx="8819100" cy="378600"/>
           </a:xfrm>
           <a:prstGeom prst="rect">
             <a:avLst/>
@@ -14600,16 +13326,42 @@
                 <a:cs typeface="Proxima Nova"/>
                 <a:sym typeface="Proxima Nova"/>
               </a:rPr>
-              <a:t>App, If you input a job title, the application will provide relevant skills associated with that designation, summarizing the key skills in a concise manner.</a:t>
-            </a:r>
-            <a:endParaRPr sz="1400">
+              <a:t>User Interface </a:t>
+            </a:r>
+            <a:endParaRPr sz="1800">
               <a:solidFill>
-                <a:srgbClr val="000000"/>
+                <a:schemeClr val="dk2"/>
               </a:solidFill>
-              <a:latin typeface="Arial"/>
-              <a:ea typeface="Arial"/>
-              <a:cs typeface="Arial"/>
-              <a:sym typeface="Arial"/>
+              <a:latin typeface="Proxima Nova"/>
+              <a:ea typeface="Proxima Nova"/>
+              <a:cs typeface="Proxima Nova"/>
+              <a:sym typeface="Proxima Nova"/>
+            </a:endParaRPr>
+          </a:p>
+          <a:p>
+            <a:pPr indent="0" lvl="0" marL="0" rtl="0" algn="l">
+              <a:lnSpc>
+                <a:spcPct val="115000"/>
+              </a:lnSpc>
+              <a:spcBef>
+                <a:spcPts val="1200"/>
+              </a:spcBef>
+              <a:spcAft>
+                <a:spcPts val="0"/>
+              </a:spcAft>
+              <a:buNone/>
+            </a:pPr>
+            <a:r>
+              <a:t/>
+            </a:r>
+            <a:endParaRPr sz="1800">
+              <a:solidFill>
+                <a:schemeClr val="dk2"/>
+              </a:solidFill>
+              <a:latin typeface="Proxima Nova"/>
+              <a:ea typeface="Proxima Nova"/>
+              <a:cs typeface="Proxima Nova"/>
+              <a:sym typeface="Proxima Nova"/>
             </a:endParaRPr>
           </a:p>
           <a:p>
@@ -14683,8 +13435,8 @@
         </p:blipFill>
         <p:spPr>
           <a:xfrm>
-            <a:off x="0" y="1077250"/>
-            <a:ext cx="4214175" cy="4066250"/>
+            <a:off x="0" y="795525"/>
+            <a:ext cx="4214175" cy="4347975"/>
           </a:xfrm>
           <a:prstGeom prst="rect">
             <a:avLst/>
@@ -14710,8 +13462,8 @@
         </p:blipFill>
         <p:spPr>
           <a:xfrm>
-            <a:off x="4214175" y="1077248"/>
-            <a:ext cx="5020851" cy="4155974"/>
+            <a:off x="4214175" y="627875"/>
+            <a:ext cx="5020851" cy="4605351"/>
           </a:xfrm>
           <a:prstGeom prst="rect">
             <a:avLst/>
@@ -14781,7 +13533,7 @@
             </a:pPr>
             <a:r>
               <a:rPr lang="en"/>
-              <a:t>Data set used</a:t>
+              <a:t>Raw Data </a:t>
             </a:r>
             <a:endParaRPr/>
           </a:p>
